--- a/스크래치ppt.pptx
+++ b/스크래치ppt.pptx
@@ -5,7 +5,7 @@
     <p:sldMasterId id="2147483648" r:id="rId1"/>
   </p:sldMasterIdLst>
   <p:notesMasterIdLst>
-    <p:notesMasterId r:id="rId27"/>
+    <p:notesMasterId r:id="rId28"/>
   </p:notesMasterIdLst>
   <p:sldIdLst>
     <p:sldId id="256" r:id="rId2"/>
@@ -20,19 +20,20 @@
     <p:sldId id="266" r:id="rId11"/>
     <p:sldId id="263" r:id="rId12"/>
     <p:sldId id="269" r:id="rId13"/>
-    <p:sldId id="270" r:id="rId14"/>
-    <p:sldId id="271" r:id="rId15"/>
-    <p:sldId id="277" r:id="rId16"/>
-    <p:sldId id="284" r:id="rId17"/>
-    <p:sldId id="274" r:id="rId18"/>
-    <p:sldId id="272" r:id="rId19"/>
-    <p:sldId id="273" r:id="rId20"/>
-    <p:sldId id="275" r:id="rId21"/>
-    <p:sldId id="278" r:id="rId22"/>
-    <p:sldId id="279" r:id="rId23"/>
-    <p:sldId id="282" r:id="rId24"/>
-    <p:sldId id="283" r:id="rId25"/>
-    <p:sldId id="262" r:id="rId26"/>
+    <p:sldId id="285" r:id="rId14"/>
+    <p:sldId id="270" r:id="rId15"/>
+    <p:sldId id="271" r:id="rId16"/>
+    <p:sldId id="277" r:id="rId17"/>
+    <p:sldId id="284" r:id="rId18"/>
+    <p:sldId id="274" r:id="rId19"/>
+    <p:sldId id="272" r:id="rId20"/>
+    <p:sldId id="273" r:id="rId21"/>
+    <p:sldId id="275" r:id="rId22"/>
+    <p:sldId id="278" r:id="rId23"/>
+    <p:sldId id="279" r:id="rId24"/>
+    <p:sldId id="282" r:id="rId25"/>
+    <p:sldId id="283" r:id="rId26"/>
+    <p:sldId id="262" r:id="rId27"/>
   </p:sldIdLst>
   <p:sldSz cx="9144000" cy="5143500" type="screen16x9"/>
   <p:notesSz cx="6858000" cy="9144000"/>
@@ -232,7 +233,7 @@
           <a:p>
             <a:fld id="{15561118-E288-471D-B835-5D86B9C1CFAB}" type="datetimeFigureOut">
               <a:rPr lang="ko-KR" altLang="en-US" smtClean="0"/>
-              <a:t>2020-01-17</a:t>
+              <a:t>2020-01-21</a:t>
             </a:fld>
             <a:endParaRPr lang="ko-KR" altLang="en-US"/>
           </a:p>
@@ -649,7 +650,7 @@
           <a:p>
             <a:fld id="{3B3872C6-96E4-44A0-8C91-FD29F6E64AC1}" type="slidenum">
               <a:rPr lang="ko-KR" altLang="en-US" smtClean="0"/>
-              <a:t>16</a:t>
+              <a:t>17</a:t>
             </a:fld>
             <a:endParaRPr lang="ko-KR" altLang="en-US"/>
           </a:p>
@@ -733,7 +734,7 @@
           <a:p>
             <a:fld id="{3B3872C6-96E4-44A0-8C91-FD29F6E64AC1}" type="slidenum">
               <a:rPr lang="ko-KR" altLang="en-US" smtClean="0"/>
-              <a:t>21</a:t>
+              <a:t>22</a:t>
             </a:fld>
             <a:endParaRPr lang="ko-KR" altLang="en-US"/>
           </a:p>
@@ -817,7 +818,7 @@
           <a:p>
             <a:fld id="{3B3872C6-96E4-44A0-8C91-FD29F6E64AC1}" type="slidenum">
               <a:rPr lang="ko-KR" altLang="en-US" smtClean="0"/>
-              <a:t>22</a:t>
+              <a:t>23</a:t>
             </a:fld>
             <a:endParaRPr lang="ko-KR" altLang="en-US"/>
           </a:p>
@@ -901,7 +902,7 @@
           <a:p>
             <a:fld id="{3B3872C6-96E4-44A0-8C91-FD29F6E64AC1}" type="slidenum">
               <a:rPr lang="ko-KR" altLang="en-US" smtClean="0"/>
-              <a:t>23</a:t>
+              <a:t>24</a:t>
             </a:fld>
             <a:endParaRPr lang="ko-KR" altLang="en-US"/>
           </a:p>
@@ -985,7 +986,7 @@
           <a:p>
             <a:fld id="{3B3872C6-96E4-44A0-8C91-FD29F6E64AC1}" type="slidenum">
               <a:rPr lang="ko-KR" altLang="en-US" smtClean="0"/>
-              <a:t>24</a:t>
+              <a:t>25</a:t>
             </a:fld>
             <a:endParaRPr lang="ko-KR" altLang="en-US"/>
           </a:p>
@@ -1185,7 +1186,7 @@
           <a:p>
             <a:fld id="{D25C4847-3046-402D-B3FA-4F374D72C8FE}" type="datetimeFigureOut">
               <a:rPr lang="ko-KR" altLang="en-US" smtClean="0"/>
-              <a:t>2020-01-17</a:t>
+              <a:t>2020-01-21</a:t>
             </a:fld>
             <a:endParaRPr lang="ko-KR" altLang="en-US"/>
           </a:p>
@@ -1350,7 +1351,7 @@
           <a:p>
             <a:fld id="{D25C4847-3046-402D-B3FA-4F374D72C8FE}" type="datetimeFigureOut">
               <a:rPr lang="ko-KR" altLang="en-US" smtClean="0"/>
-              <a:t>2020-01-17</a:t>
+              <a:t>2020-01-21</a:t>
             </a:fld>
             <a:endParaRPr lang="ko-KR" altLang="en-US"/>
           </a:p>
@@ -1525,7 +1526,7 @@
           <a:p>
             <a:fld id="{D25C4847-3046-402D-B3FA-4F374D72C8FE}" type="datetimeFigureOut">
               <a:rPr lang="ko-KR" altLang="en-US" smtClean="0"/>
-              <a:t>2020-01-17</a:t>
+              <a:t>2020-01-21</a:t>
             </a:fld>
             <a:endParaRPr lang="ko-KR" altLang="en-US"/>
           </a:p>
@@ -1690,7 +1691,7 @@
           <a:p>
             <a:fld id="{D25C4847-3046-402D-B3FA-4F374D72C8FE}" type="datetimeFigureOut">
               <a:rPr lang="ko-KR" altLang="en-US" smtClean="0"/>
-              <a:t>2020-01-17</a:t>
+              <a:t>2020-01-21</a:t>
             </a:fld>
             <a:endParaRPr lang="ko-KR" altLang="en-US"/>
           </a:p>
@@ -1931,7 +1932,7 @@
           <a:p>
             <a:fld id="{D25C4847-3046-402D-B3FA-4F374D72C8FE}" type="datetimeFigureOut">
               <a:rPr lang="ko-KR" altLang="en-US" smtClean="0"/>
-              <a:t>2020-01-17</a:t>
+              <a:t>2020-01-21</a:t>
             </a:fld>
             <a:endParaRPr lang="ko-KR" altLang="en-US"/>
           </a:p>
@@ -2214,7 +2215,7 @@
           <a:p>
             <a:fld id="{D25C4847-3046-402D-B3FA-4F374D72C8FE}" type="datetimeFigureOut">
               <a:rPr lang="ko-KR" altLang="en-US" smtClean="0"/>
-              <a:t>2020-01-17</a:t>
+              <a:t>2020-01-21</a:t>
             </a:fld>
             <a:endParaRPr lang="ko-KR" altLang="en-US"/>
           </a:p>
@@ -2636,7 +2637,7 @@
           <a:p>
             <a:fld id="{D25C4847-3046-402D-B3FA-4F374D72C8FE}" type="datetimeFigureOut">
               <a:rPr lang="ko-KR" altLang="en-US" smtClean="0"/>
-              <a:t>2020-01-17</a:t>
+              <a:t>2020-01-21</a:t>
             </a:fld>
             <a:endParaRPr lang="ko-KR" altLang="en-US"/>
           </a:p>
@@ -2749,7 +2750,7 @@
           <a:p>
             <a:fld id="{D25C4847-3046-402D-B3FA-4F374D72C8FE}" type="datetimeFigureOut">
               <a:rPr lang="ko-KR" altLang="en-US" smtClean="0"/>
-              <a:t>2020-01-17</a:t>
+              <a:t>2020-01-21</a:t>
             </a:fld>
             <a:endParaRPr lang="ko-KR" altLang="en-US"/>
           </a:p>
@@ -2839,7 +2840,7 @@
           <a:p>
             <a:fld id="{D25C4847-3046-402D-B3FA-4F374D72C8FE}" type="datetimeFigureOut">
               <a:rPr lang="ko-KR" altLang="en-US" smtClean="0"/>
-              <a:t>2020-01-17</a:t>
+              <a:t>2020-01-21</a:t>
             </a:fld>
             <a:endParaRPr lang="ko-KR" altLang="en-US"/>
           </a:p>
@@ -3111,7 +3112,7 @@
           <a:p>
             <a:fld id="{D25C4847-3046-402D-B3FA-4F374D72C8FE}" type="datetimeFigureOut">
               <a:rPr lang="ko-KR" altLang="en-US" smtClean="0"/>
-              <a:t>2020-01-17</a:t>
+              <a:t>2020-01-21</a:t>
             </a:fld>
             <a:endParaRPr lang="ko-KR" altLang="en-US"/>
           </a:p>
@@ -3359,7 +3360,7 @@
           <a:p>
             <a:fld id="{D25C4847-3046-402D-B3FA-4F374D72C8FE}" type="datetimeFigureOut">
               <a:rPr lang="ko-KR" altLang="en-US" smtClean="0"/>
-              <a:t>2020-01-17</a:t>
+              <a:t>2020-01-21</a:t>
             </a:fld>
             <a:endParaRPr lang="ko-KR" altLang="en-US"/>
           </a:p>
@@ -3576,7 +3577,7 @@
           <a:p>
             <a:fld id="{D25C4847-3046-402D-B3FA-4F374D72C8FE}" type="datetimeFigureOut">
               <a:rPr lang="ko-KR" altLang="en-US" smtClean="0"/>
-              <a:t>2020-01-17</a:t>
+              <a:t>2020-01-21</a:t>
             </a:fld>
             <a:endParaRPr lang="ko-KR" altLang="en-US"/>
           </a:p>
@@ -3985,13 +3986,8 @@
             <a:pPr algn="ctr"/>
             <a:r>
               <a:rPr lang="en-US" altLang="ko-KR" sz="3600" dirty="0" smtClean="0"/>
-              <a:t>Machine </a:t>
-            </a:r>
-            <a:r>
-              <a:rPr lang="en-US" altLang="ko-KR" sz="3600" dirty="0" smtClean="0"/>
-              <a:t>Learning</a:t>
-            </a:r>
-            <a:endParaRPr lang="en-US" altLang="ko-KR" sz="3600" dirty="0" smtClean="0"/>
+              <a:t>Machine Learning</a:t>
+            </a:r>
           </a:p>
           <a:p>
             <a:pPr algn="ctr"/>
@@ -4091,7 +4087,7 @@
         <p:spPr>
           <a:xfrm>
             <a:off x="251520" y="987574"/>
-            <a:ext cx="8568952" cy="3960440"/>
+            <a:ext cx="8568952" cy="2880320"/>
           </a:xfrm>
           <a:prstGeom prst="rect">
             <a:avLst/>
@@ -4106,8 +4102,8 @@
         </p:nvSpPr>
         <p:spPr>
           <a:xfrm>
-            <a:off x="1403648" y="1275606"/>
-            <a:ext cx="360040" cy="216024"/>
+            <a:off x="1403648" y="1203598"/>
+            <a:ext cx="360040" cy="157108"/>
           </a:xfrm>
           <a:prstGeom prst="rect">
             <a:avLst/>
@@ -4154,8 +4150,8 @@
         </p:nvSpPr>
         <p:spPr>
           <a:xfrm>
-            <a:off x="2431638" y="3008310"/>
-            <a:ext cx="2016224" cy="1075607"/>
+            <a:off x="2483768" y="2499742"/>
+            <a:ext cx="2016224" cy="782260"/>
           </a:xfrm>
           <a:prstGeom prst="rect">
             <a:avLst/>
@@ -4311,6 +4307,64 @@
                 </a:outerShdw>
               </a:effectLst>
             </a:endParaRPr>
+          </a:p>
+        </p:txBody>
+      </p:sp>
+      <p:sp>
+        <p:nvSpPr>
+          <p:cNvPr id="6" name="TextBox 5"/>
+          <p:cNvSpPr txBox="1"/>
+          <p:nvPr/>
+        </p:nvSpPr>
+        <p:spPr>
+          <a:xfrm>
+            <a:off x="1136576" y="4083918"/>
+            <a:ext cx="7014864" cy="772199"/>
+          </a:xfrm>
+          <a:prstGeom prst="rect">
+            <a:avLst/>
+          </a:prstGeom>
+          <a:noFill/>
+        </p:spPr>
+        <p:txBody>
+          <a:bodyPr wrap="square" rtlCol="0">
+            <a:spAutoFit/>
+          </a:bodyPr>
+          <a:lstStyle/>
+          <a:p>
+            <a:pPr>
+              <a:lnSpc>
+                <a:spcPct val="200000"/>
+              </a:lnSpc>
+            </a:pPr>
+            <a:r>
+              <a:rPr lang="en-US" altLang="ko-KR" sz="1200" dirty="0" smtClean="0"/>
+              <a:t>Machine Learning For Kids </a:t>
+            </a:r>
+            <a:r>
+              <a:rPr lang="ko-KR" altLang="en-US" sz="1200" dirty="0" smtClean="0"/>
+              <a:t>사이트 이용</a:t>
+            </a:r>
+            <a:r>
+              <a:rPr lang="en-US" altLang="ko-KR" sz="1200" dirty="0" smtClean="0"/>
+              <a:t>.</a:t>
+            </a:r>
+          </a:p>
+          <a:p>
+            <a:pPr>
+              <a:lnSpc>
+                <a:spcPct val="200000"/>
+              </a:lnSpc>
+            </a:pPr>
+            <a:r>
+              <a:rPr lang="ko-KR" altLang="en-US" sz="1200" dirty="0" smtClean="0"/>
+              <a:t>워크시트 탭에 다양한 예제가 있다</a:t>
+            </a:r>
+            <a:r>
+              <a:rPr lang="en-US" altLang="ko-KR" sz="1200" dirty="0" smtClean="0"/>
+              <a:t>.</a:t>
+            </a:r>
+            <a:endParaRPr lang="en-US" altLang="ko-KR" sz="1200" dirty="0" smtClean="0"/>
           </a:p>
         </p:txBody>
       </p:sp>
@@ -4716,6 +4770,132 @@
           </a:p>
         </p:txBody>
       </p:sp>
+      <p:sp>
+        <p:nvSpPr>
+          <p:cNvPr id="12" name="오른쪽 화살표 11"/>
+          <p:cNvSpPr/>
+          <p:nvPr/>
+        </p:nvSpPr>
+        <p:spPr>
+          <a:xfrm>
+            <a:off x="1259632" y="1203598"/>
+            <a:ext cx="6696744" cy="288032"/>
+          </a:xfrm>
+          <a:prstGeom prst="rightArrow">
+            <a:avLst/>
+          </a:prstGeom>
+          <a:noFill/>
+          <a:ln w="28575" cap="flat" cmpd="sng" algn="ctr">
+            <a:solidFill>
+              <a:srgbClr val="FF0000"/>
+            </a:solidFill>
+            <a:prstDash val="solid"/>
+            <a:round/>
+            <a:headEnd type="none" w="med" len="med"/>
+            <a:tailEnd type="none" w="med" len="med"/>
+          </a:ln>
+        </p:spPr>
+        <p:style>
+          <a:lnRef idx="0">
+            <a:scrgbClr r="0" g="0" b="0"/>
+          </a:lnRef>
+          <a:fillRef idx="0">
+            <a:scrgbClr r="0" g="0" b="0"/>
+          </a:fillRef>
+          <a:effectRef idx="0">
+            <a:scrgbClr r="0" g="0" b="0"/>
+          </a:effectRef>
+          <a:fontRef idx="minor">
+            <a:schemeClr val="accent2"/>
+          </a:fontRef>
+        </p:style>
+        <p:txBody>
+          <a:bodyPr rtlCol="0" anchor="ctr"/>
+          <a:lstStyle/>
+          <a:p>
+            <a:pPr algn="ctr"/>
+            <a:endParaRPr lang="ko-KR" altLang="en-US"/>
+          </a:p>
+        </p:txBody>
+      </p:sp>
+      <p:sp>
+        <p:nvSpPr>
+          <p:cNvPr id="13" name="TextBox 12"/>
+          <p:cNvSpPr txBox="1"/>
+          <p:nvPr/>
+        </p:nvSpPr>
+        <p:spPr>
+          <a:xfrm>
+            <a:off x="1208584" y="3923785"/>
+            <a:ext cx="7014864" cy="1200329"/>
+          </a:xfrm>
+          <a:prstGeom prst="rect">
+            <a:avLst/>
+          </a:prstGeom>
+          <a:noFill/>
+        </p:spPr>
+        <p:txBody>
+          <a:bodyPr wrap="square" rtlCol="0">
+            <a:spAutoFit/>
+          </a:bodyPr>
+          <a:lstStyle/>
+          <a:p>
+            <a:pPr>
+              <a:lnSpc>
+                <a:spcPct val="200000"/>
+              </a:lnSpc>
+            </a:pPr>
+            <a:r>
+              <a:rPr lang="ko-KR" altLang="en-US" sz="1200" dirty="0" err="1" smtClean="0"/>
+              <a:t>머신러닝</a:t>
+            </a:r>
+            <a:r>
+              <a:rPr lang="ko-KR" altLang="en-US" sz="1200" dirty="0" smtClean="0"/>
+              <a:t> 프로젝트를 만드는 과정</a:t>
+            </a:r>
+            <a:endParaRPr lang="en-US" altLang="ko-KR" sz="1200" dirty="0" smtClean="0"/>
+          </a:p>
+          <a:p>
+            <a:pPr>
+              <a:lnSpc>
+                <a:spcPct val="200000"/>
+              </a:lnSpc>
+            </a:pPr>
+            <a:r>
+              <a:rPr lang="ko-KR" altLang="en-US" sz="1200" dirty="0" smtClean="0"/>
+              <a:t>간단한 예제를 만들기 위해 등록을 건너뛰고 바로 실행한다</a:t>
+            </a:r>
+            <a:r>
+              <a:rPr lang="en-US" altLang="ko-KR" sz="1200" dirty="0" smtClean="0"/>
+              <a:t>.</a:t>
+            </a:r>
+          </a:p>
+          <a:p>
+            <a:pPr>
+              <a:lnSpc>
+                <a:spcPct val="200000"/>
+              </a:lnSpc>
+            </a:pPr>
+            <a:r>
+              <a:rPr lang="ko-KR" altLang="en-US" sz="1200" dirty="0" smtClean="0"/>
+              <a:t>계정을 </a:t>
+            </a:r>
+            <a:r>
+              <a:rPr lang="ko-KR" altLang="en-US" sz="1200" dirty="0" err="1" smtClean="0"/>
+              <a:t>만들경우</a:t>
+            </a:r>
+            <a:r>
+              <a:rPr lang="ko-KR" altLang="en-US" sz="1200" dirty="0" smtClean="0"/>
+              <a:t> 데이터를 장기간 보존이 가능하다</a:t>
+            </a:r>
+            <a:r>
+              <a:rPr lang="en-US" altLang="ko-KR" sz="1200" dirty="0" smtClean="0"/>
+              <a:t>.</a:t>
+            </a:r>
+            <a:endParaRPr lang="en-US" altLang="ko-KR" sz="1200" dirty="0" smtClean="0"/>
+          </a:p>
+        </p:txBody>
+      </p:sp>
     </p:spTree>
   </p:cSld>
   <p:clrMapOvr>
@@ -4756,7 +4936,7 @@
         </p:nvGrpSpPr>
         <p:grpSpPr>
           <a:xfrm>
-            <a:off x="467544" y="1275606"/>
+            <a:off x="471722" y="1131590"/>
             <a:ext cx="2232248" cy="1556686"/>
             <a:chOff x="2051720" y="1923678"/>
             <a:chExt cx="4923546" cy="2736304"/>
@@ -4848,7 +5028,7 @@
         </p:nvGrpSpPr>
         <p:grpSpPr>
           <a:xfrm>
-            <a:off x="2991715" y="1275606"/>
+            <a:off x="3131840" y="1155406"/>
             <a:ext cx="2448272" cy="1556686"/>
             <a:chOff x="179512" y="994225"/>
             <a:chExt cx="5092953" cy="2578984"/>
@@ -4946,8 +5126,8 @@
         </p:nvGrpSpPr>
         <p:grpSpPr>
           <a:xfrm>
-            <a:off x="5666690" y="1274284"/>
-            <a:ext cx="2721733" cy="1558008"/>
+            <a:off x="378869" y="3291830"/>
+            <a:ext cx="2325101" cy="1558008"/>
             <a:chOff x="2084676" y="1896511"/>
             <a:chExt cx="4923546" cy="2736304"/>
           </a:xfrm>
@@ -5038,8 +5218,8 @@
         </p:nvGrpSpPr>
         <p:grpSpPr>
           <a:xfrm>
-            <a:off x="471722" y="3179532"/>
-            <a:ext cx="2372086" cy="1568010"/>
+            <a:off x="3118438" y="3265077"/>
+            <a:ext cx="2461673" cy="1568010"/>
             <a:chOff x="3399512" y="808036"/>
             <a:chExt cx="5688632" cy="3034398"/>
           </a:xfrm>
@@ -5122,6 +5302,382 @@
           </p:txBody>
         </p:sp>
       </p:grpSp>
+      <p:sp>
+        <p:nvSpPr>
+          <p:cNvPr id="21" name="직사각형 20"/>
+          <p:cNvSpPr/>
+          <p:nvPr/>
+        </p:nvSpPr>
+        <p:spPr>
+          <a:xfrm>
+            <a:off x="251520" y="-17355"/>
+            <a:ext cx="3384376" cy="816955"/>
+          </a:xfrm>
+          <a:prstGeom prst="rect">
+            <a:avLst/>
+          </a:prstGeom>
+          <a:noFill/>
+        </p:spPr>
+        <p:txBody>
+          <a:bodyPr wrap="square" lIns="91440" tIns="45720" rIns="91440" bIns="45720">
+            <a:spAutoFit/>
+          </a:bodyPr>
+          <a:lstStyle/>
+          <a:p>
+            <a:pPr algn="ctr">
+              <a:lnSpc>
+                <a:spcPct val="200000"/>
+              </a:lnSpc>
+            </a:pPr>
+            <a:r>
+              <a:rPr lang="ko-KR" altLang="en-US" sz="2800" b="1" dirty="0" smtClean="0">
+                <a:ln w="12700">
+                  <a:solidFill>
+                    <a:schemeClr val="tx2">
+                      <a:lumMod val="75000"/>
+                    </a:schemeClr>
+                  </a:solidFill>
+                  <a:prstDash val="solid"/>
+                </a:ln>
+                <a:pattFill prst="dkUpDiag">
+                  <a:fgClr>
+                    <a:schemeClr val="tx2"/>
+                  </a:fgClr>
+                  <a:bgClr>
+                    <a:schemeClr val="tx2">
+                      <a:lumMod val="20000"/>
+                      <a:lumOff val="80000"/>
+                    </a:schemeClr>
+                  </a:bgClr>
+                </a:pattFill>
+                <a:effectLst>
+                  <a:outerShdw dist="38100" dir="2640000" algn="bl" rotWithShape="0">
+                    <a:schemeClr val="tx2">
+                      <a:lumMod val="75000"/>
+                    </a:schemeClr>
+                  </a:outerShdw>
+                </a:effectLst>
+              </a:rPr>
+              <a:t>예제 따라 만들기</a:t>
+            </a:r>
+            <a:endParaRPr lang="en-US" altLang="ko-KR" sz="2800" b="1" dirty="0">
+              <a:ln w="12700">
+                <a:solidFill>
+                  <a:schemeClr val="tx2">
+                    <a:lumMod val="75000"/>
+                  </a:schemeClr>
+                </a:solidFill>
+                <a:prstDash val="solid"/>
+              </a:ln>
+              <a:pattFill prst="dkUpDiag">
+                <a:fgClr>
+                  <a:schemeClr val="tx2"/>
+                </a:fgClr>
+                <a:bgClr>
+                  <a:schemeClr val="tx2">
+                    <a:lumMod val="20000"/>
+                    <a:lumOff val="80000"/>
+                  </a:schemeClr>
+                </a:bgClr>
+              </a:pattFill>
+              <a:effectLst>
+                <a:outerShdw dist="38100" dir="2640000" algn="bl" rotWithShape="0">
+                  <a:schemeClr val="tx2">
+                    <a:lumMod val="75000"/>
+                  </a:schemeClr>
+                </a:outerShdw>
+              </a:effectLst>
+            </a:endParaRPr>
+          </a:p>
+        </p:txBody>
+      </p:sp>
+      <p:sp>
+        <p:nvSpPr>
+          <p:cNvPr id="22" name="오른쪽 화살표 21"/>
+          <p:cNvSpPr/>
+          <p:nvPr/>
+        </p:nvSpPr>
+        <p:spPr>
+          <a:xfrm>
+            <a:off x="479768" y="866834"/>
+            <a:ext cx="5112568" cy="288032"/>
+          </a:xfrm>
+          <a:prstGeom prst="rightArrow">
+            <a:avLst/>
+          </a:prstGeom>
+          <a:noFill/>
+          <a:ln w="28575" cap="flat" cmpd="sng" algn="ctr">
+            <a:solidFill>
+              <a:srgbClr val="FF0000"/>
+            </a:solidFill>
+            <a:prstDash val="solid"/>
+            <a:round/>
+            <a:headEnd type="none" w="med" len="med"/>
+            <a:tailEnd type="none" w="med" len="med"/>
+          </a:ln>
+        </p:spPr>
+        <p:style>
+          <a:lnRef idx="0">
+            <a:scrgbClr r="0" g="0" b="0"/>
+          </a:lnRef>
+          <a:fillRef idx="0">
+            <a:scrgbClr r="0" g="0" b="0"/>
+          </a:fillRef>
+          <a:effectRef idx="0">
+            <a:scrgbClr r="0" g="0" b="0"/>
+          </a:effectRef>
+          <a:fontRef idx="minor">
+            <a:schemeClr val="accent2"/>
+          </a:fontRef>
+        </p:style>
+        <p:txBody>
+          <a:bodyPr rtlCol="0" anchor="ctr"/>
+          <a:lstStyle/>
+          <a:p>
+            <a:pPr algn="ctr"/>
+            <a:endParaRPr lang="ko-KR" altLang="en-US"/>
+          </a:p>
+        </p:txBody>
+      </p:sp>
+      <p:sp>
+        <p:nvSpPr>
+          <p:cNvPr id="23" name="오른쪽 화살표 22"/>
+          <p:cNvSpPr/>
+          <p:nvPr/>
+        </p:nvSpPr>
+        <p:spPr>
+          <a:xfrm>
+            <a:off x="378869" y="2934197"/>
+            <a:ext cx="5213467" cy="288032"/>
+          </a:xfrm>
+          <a:prstGeom prst="rightArrow">
+            <a:avLst/>
+          </a:prstGeom>
+          <a:noFill/>
+          <a:ln w="28575" cap="flat" cmpd="sng" algn="ctr">
+            <a:solidFill>
+              <a:srgbClr val="FF0000"/>
+            </a:solidFill>
+            <a:prstDash val="solid"/>
+            <a:round/>
+            <a:headEnd type="none" w="med" len="med"/>
+            <a:tailEnd type="none" w="med" len="med"/>
+          </a:ln>
+        </p:spPr>
+        <p:style>
+          <a:lnRef idx="0">
+            <a:scrgbClr r="0" g="0" b="0"/>
+          </a:lnRef>
+          <a:fillRef idx="0">
+            <a:scrgbClr r="0" g="0" b="0"/>
+          </a:fillRef>
+          <a:effectRef idx="0">
+            <a:scrgbClr r="0" g="0" b="0"/>
+          </a:effectRef>
+          <a:fontRef idx="minor">
+            <a:schemeClr val="accent2"/>
+          </a:fontRef>
+        </p:style>
+        <p:txBody>
+          <a:bodyPr rtlCol="0" anchor="ctr"/>
+          <a:lstStyle/>
+          <a:p>
+            <a:pPr algn="ctr"/>
+            <a:endParaRPr lang="ko-KR" altLang="en-US"/>
+          </a:p>
+        </p:txBody>
+      </p:sp>
+      <p:sp>
+        <p:nvSpPr>
+          <p:cNvPr id="24" name="TextBox 23"/>
+          <p:cNvSpPr txBox="1"/>
+          <p:nvPr/>
+        </p:nvSpPr>
+        <p:spPr>
+          <a:xfrm>
+            <a:off x="5652120" y="1010850"/>
+            <a:ext cx="3240360" cy="1446550"/>
+          </a:xfrm>
+          <a:prstGeom prst="rect">
+            <a:avLst/>
+          </a:prstGeom>
+          <a:noFill/>
+        </p:spPr>
+        <p:txBody>
+          <a:bodyPr wrap="square" rtlCol="0">
+            <a:spAutoFit/>
+          </a:bodyPr>
+          <a:lstStyle/>
+          <a:p>
+            <a:pPr>
+              <a:lnSpc>
+                <a:spcPct val="200000"/>
+              </a:lnSpc>
+            </a:pPr>
+            <a:r>
+              <a:rPr lang="ko-KR" altLang="en-US" sz="1200" dirty="0" err="1" smtClean="0"/>
+              <a:t>머신러닝에</a:t>
+            </a:r>
+            <a:r>
+              <a:rPr lang="ko-KR" altLang="en-US" sz="1200" dirty="0" smtClean="0"/>
+              <a:t> 훈련데이터를 추가하는 과정</a:t>
+            </a:r>
+            <a:endParaRPr lang="en-US" altLang="ko-KR" sz="1200" dirty="0" smtClean="0"/>
+          </a:p>
+          <a:p>
+            <a:pPr>
+              <a:lnSpc>
+                <a:spcPct val="200000"/>
+              </a:lnSpc>
+            </a:pPr>
+            <a:r>
+              <a:rPr lang="ko-KR" altLang="en-US" sz="1200" dirty="0" smtClean="0"/>
+              <a:t>컴퓨터가 공부할 내용을 알려주는 과정</a:t>
+            </a:r>
+            <a:endParaRPr lang="en-US" altLang="ko-KR" sz="1200" dirty="0" smtClean="0"/>
+          </a:p>
+          <a:p>
+            <a:pPr>
+              <a:lnSpc>
+                <a:spcPct val="200000"/>
+              </a:lnSpc>
+            </a:pPr>
+            <a:endParaRPr lang="en-US" altLang="ko-KR" sz="1200" dirty="0" smtClean="0"/>
+          </a:p>
+          <a:p>
+            <a:pPr>
+              <a:lnSpc>
+                <a:spcPct val="200000"/>
+              </a:lnSpc>
+            </a:pPr>
+            <a:r>
+              <a:rPr lang="ko-KR" altLang="en-US" sz="800" dirty="0" smtClean="0">
+                <a:solidFill>
+                  <a:srgbClr val="FF0000"/>
+                </a:solidFill>
+              </a:rPr>
+              <a:t>실생활로 예를 들어 수학공부를 하기 위해 문제집을 주는 과정</a:t>
+            </a:r>
+            <a:endParaRPr lang="en-US" altLang="ko-KR" sz="800" dirty="0" smtClean="0">
+              <a:solidFill>
+                <a:srgbClr val="FF0000"/>
+              </a:solidFill>
+            </a:endParaRPr>
+          </a:p>
+        </p:txBody>
+      </p:sp>
+      <p:sp>
+        <p:nvSpPr>
+          <p:cNvPr id="25" name="TextBox 24"/>
+          <p:cNvSpPr txBox="1"/>
+          <p:nvPr/>
+        </p:nvSpPr>
+        <p:spPr>
+          <a:xfrm>
+            <a:off x="5761907" y="3222229"/>
+            <a:ext cx="3240360" cy="1446550"/>
+          </a:xfrm>
+          <a:prstGeom prst="rect">
+            <a:avLst/>
+          </a:prstGeom>
+          <a:noFill/>
+        </p:spPr>
+        <p:txBody>
+          <a:bodyPr wrap="square" rtlCol="0">
+            <a:spAutoFit/>
+          </a:bodyPr>
+          <a:lstStyle/>
+          <a:p>
+            <a:pPr>
+              <a:lnSpc>
+                <a:spcPct val="200000"/>
+              </a:lnSpc>
+            </a:pPr>
+            <a:r>
+              <a:rPr lang="ko-KR" altLang="en-US" sz="1200" dirty="0" err="1" smtClean="0"/>
+              <a:t>머신러닝을</a:t>
+            </a:r>
+            <a:r>
+              <a:rPr lang="ko-KR" altLang="en-US" sz="1200" dirty="0" smtClean="0"/>
+              <a:t> 학습하는 과정</a:t>
+            </a:r>
+            <a:endParaRPr lang="en-US" altLang="ko-KR" sz="1200" dirty="0" smtClean="0"/>
+          </a:p>
+          <a:p>
+            <a:pPr>
+              <a:lnSpc>
+                <a:spcPct val="200000"/>
+              </a:lnSpc>
+            </a:pPr>
+            <a:endParaRPr lang="en-US" altLang="ko-KR" sz="1200" dirty="0" smtClean="0"/>
+          </a:p>
+          <a:p>
+            <a:pPr>
+              <a:lnSpc>
+                <a:spcPct val="200000"/>
+              </a:lnSpc>
+            </a:pPr>
+            <a:endParaRPr lang="en-US" altLang="ko-KR" sz="1200" dirty="0" smtClean="0"/>
+          </a:p>
+          <a:p>
+            <a:pPr>
+              <a:lnSpc>
+                <a:spcPct val="200000"/>
+              </a:lnSpc>
+            </a:pPr>
+            <a:r>
+              <a:rPr lang="ko-KR" altLang="en-US" sz="800" dirty="0" smtClean="0">
+                <a:solidFill>
+                  <a:srgbClr val="FF0000"/>
+                </a:solidFill>
+              </a:rPr>
+              <a:t>실생활로 예를 들어 문제집을 가지고 공부를 하는 과정</a:t>
+            </a:r>
+            <a:endParaRPr lang="en-US" altLang="ko-KR" sz="800" dirty="0" smtClean="0">
+              <a:solidFill>
+                <a:srgbClr val="FF0000"/>
+              </a:solidFill>
+            </a:endParaRPr>
+          </a:p>
+        </p:txBody>
+      </p:sp>
+    </p:spTree>
+    <p:extLst>
+      <p:ext uri="{BB962C8B-B14F-4D97-AF65-F5344CB8AC3E}">
+        <p14:creationId xmlns:p14="http://schemas.microsoft.com/office/powerpoint/2010/main" val="1941683114"/>
+      </p:ext>
+    </p:extLst>
+  </p:cSld>
+  <p:clrMapOvr>
+    <a:masterClrMapping/>
+  </p:clrMapOvr>
+  <p:timing>
+    <p:tnLst>
+      <p:par>
+        <p:cTn id="1" dur="indefinite" restart="never" nodeType="tmRoot"/>
+      </p:par>
+    </p:tnLst>
+  </p:timing>
+</p:sld>
+</file>
+
+<file path=ppt/slides/slide13.xml><?xml version="1.0" encoding="utf-8"?>
+<p:sld xmlns:a="http://schemas.openxmlformats.org/drawingml/2006/main" xmlns:r="http://schemas.openxmlformats.org/officeDocument/2006/relationships" xmlns:p="http://schemas.openxmlformats.org/presentationml/2006/main">
+  <p:cSld>
+    <p:spTree>
+      <p:nvGrpSpPr>
+        <p:cNvPr id="1" name=""/>
+        <p:cNvGrpSpPr/>
+        <p:nvPr/>
+      </p:nvGrpSpPr>
+      <p:grpSpPr>
+        <a:xfrm>
+          <a:off x="0" y="0"/>
+          <a:ext cx="0" cy="0"/>
+          <a:chOff x="0" y="0"/>
+          <a:chExt cx="0" cy="0"/>
+        </a:xfrm>
+      </p:grpSpPr>
       <p:grpSp>
         <p:nvGrpSpPr>
           <p:cNvPr id="3" name="그룹 2"/>
@@ -5130,7 +5686,7 @@
         </p:nvGrpSpPr>
         <p:grpSpPr>
           <a:xfrm>
-            <a:off x="3012314" y="3179532"/>
+            <a:off x="657216" y="1491630"/>
             <a:ext cx="2572984" cy="1624594"/>
             <a:chOff x="2071024" y="1883260"/>
             <a:chExt cx="4923546" cy="2736304"/>
@@ -5222,7 +5778,7 @@
         </p:nvGrpSpPr>
         <p:grpSpPr>
           <a:xfrm>
-            <a:off x="5734165" y="3179532"/>
+            <a:off x="3471596" y="1491630"/>
             <a:ext cx="2654257" cy="1624594"/>
             <a:chOff x="103279" y="782590"/>
             <a:chExt cx="8896166" cy="4227158"/>
@@ -5237,7 +5793,7 @@
             <p:nvPr/>
           </p:nvPicPr>
           <p:blipFill>
-            <a:blip r:embed="rId5"/>
+            <a:blip r:embed="rId3"/>
             <a:stretch>
               <a:fillRect/>
             </a:stretch>
@@ -5395,10 +5951,152 @@
           </a:p>
         </p:txBody>
       </p:sp>
+      <p:sp>
+        <p:nvSpPr>
+          <p:cNvPr id="22" name="오른쪽 화살표 21"/>
+          <p:cNvSpPr/>
+          <p:nvPr/>
+        </p:nvSpPr>
+        <p:spPr>
+          <a:xfrm>
+            <a:off x="935596" y="1086282"/>
+            <a:ext cx="5112568" cy="288032"/>
+          </a:xfrm>
+          <a:prstGeom prst="rightArrow">
+            <a:avLst/>
+          </a:prstGeom>
+          <a:noFill/>
+          <a:ln w="28575" cap="flat" cmpd="sng" algn="ctr">
+            <a:solidFill>
+              <a:srgbClr val="FF0000"/>
+            </a:solidFill>
+            <a:prstDash val="solid"/>
+            <a:round/>
+            <a:headEnd type="none" w="med" len="med"/>
+            <a:tailEnd type="none" w="med" len="med"/>
+          </a:ln>
+        </p:spPr>
+        <p:style>
+          <a:lnRef idx="0">
+            <a:scrgbClr r="0" g="0" b="0"/>
+          </a:lnRef>
+          <a:fillRef idx="0">
+            <a:scrgbClr r="0" g="0" b="0"/>
+          </a:fillRef>
+          <a:effectRef idx="0">
+            <a:scrgbClr r="0" g="0" b="0"/>
+          </a:effectRef>
+          <a:fontRef idx="minor">
+            <a:schemeClr val="accent2"/>
+          </a:fontRef>
+        </p:style>
+        <p:txBody>
+          <a:bodyPr rtlCol="0" anchor="ctr"/>
+          <a:lstStyle/>
+          <a:p>
+            <a:pPr algn="ctr"/>
+            <a:endParaRPr lang="ko-KR" altLang="en-US"/>
+          </a:p>
+        </p:txBody>
+      </p:sp>
+      <p:sp>
+        <p:nvSpPr>
+          <p:cNvPr id="23" name="TextBox 22"/>
+          <p:cNvSpPr txBox="1"/>
+          <p:nvPr/>
+        </p:nvSpPr>
+        <p:spPr>
+          <a:xfrm>
+            <a:off x="1115616" y="3435846"/>
+            <a:ext cx="7014864" cy="1569660"/>
+          </a:xfrm>
+          <a:prstGeom prst="rect">
+            <a:avLst/>
+          </a:prstGeom>
+          <a:noFill/>
+        </p:spPr>
+        <p:txBody>
+          <a:bodyPr wrap="square" rtlCol="0">
+            <a:spAutoFit/>
+          </a:bodyPr>
+          <a:lstStyle/>
+          <a:p>
+            <a:pPr>
+              <a:lnSpc>
+                <a:spcPct val="200000"/>
+              </a:lnSpc>
+            </a:pPr>
+            <a:r>
+              <a:rPr lang="ko-KR" altLang="en-US" sz="1200" dirty="0" smtClean="0"/>
+              <a:t>학습된 </a:t>
+            </a:r>
+            <a:r>
+              <a:rPr lang="ko-KR" altLang="en-US" sz="1200" dirty="0" err="1" smtClean="0"/>
+              <a:t>머신러닝을</a:t>
+            </a:r>
+            <a:r>
+              <a:rPr lang="ko-KR" altLang="en-US" sz="1200" dirty="0" smtClean="0"/>
+              <a:t> 가지고 타 프로그램에서 사용하는 과정</a:t>
+            </a:r>
+            <a:endParaRPr lang="en-US" altLang="ko-KR" sz="1200" dirty="0" smtClean="0"/>
+          </a:p>
+          <a:p>
+            <a:pPr>
+              <a:lnSpc>
+                <a:spcPct val="200000"/>
+              </a:lnSpc>
+            </a:pPr>
+            <a:r>
+              <a:rPr lang="ko-KR" altLang="en-US" sz="1200" dirty="0" smtClean="0"/>
+              <a:t>간단한 프로그램을 제작할 수 있는 스크래치를 이용</a:t>
+            </a:r>
+            <a:endParaRPr lang="en-US" altLang="ko-KR" sz="1200" dirty="0" smtClean="0"/>
+          </a:p>
+          <a:p>
+            <a:pPr>
+              <a:lnSpc>
+                <a:spcPct val="200000"/>
+              </a:lnSpc>
+            </a:pPr>
+            <a:endParaRPr lang="en-US" altLang="ko-KR" sz="1200" dirty="0"/>
+          </a:p>
+          <a:p>
+            <a:pPr>
+              <a:lnSpc>
+                <a:spcPct val="200000"/>
+              </a:lnSpc>
+            </a:pPr>
+            <a:r>
+              <a:rPr lang="ko-KR" altLang="en-US" sz="1100" dirty="0" smtClean="0">
+                <a:solidFill>
+                  <a:srgbClr val="FF0000"/>
+                </a:solidFill>
+              </a:rPr>
+              <a:t>실생활로 예를 들면 수학공부를 한 후 </a:t>
+            </a:r>
+            <a:r>
+              <a:rPr lang="ko-KR" altLang="en-US" sz="1100" dirty="0" err="1" smtClean="0">
+                <a:solidFill>
+                  <a:srgbClr val="FF0000"/>
+                </a:solidFill>
+              </a:rPr>
+              <a:t>수학시험을</a:t>
+            </a:r>
+            <a:r>
+              <a:rPr lang="ko-KR" altLang="en-US" sz="1100" dirty="0" smtClean="0">
+                <a:solidFill>
+                  <a:srgbClr val="FF0000"/>
+                </a:solidFill>
+              </a:rPr>
+              <a:t> 보는 과정</a:t>
+            </a:r>
+          </a:p>
+        </p:txBody>
+      </p:sp>
     </p:spTree>
     <p:extLst>
       <p:ext uri="{BB962C8B-B14F-4D97-AF65-F5344CB8AC3E}">
-        <p14:creationId xmlns:p14="http://schemas.microsoft.com/office/powerpoint/2010/main" val="1941683114"/>
+        <p14:creationId xmlns:p14="http://schemas.microsoft.com/office/powerpoint/2010/main" val="2393132826"/>
       </p:ext>
     </p:extLst>
   </p:cSld>
@@ -5415,7 +6113,7 @@
 </p:sld>
 </file>
 
-<file path=ppt/slides/slide13.xml><?xml version="1.0" encoding="utf-8"?>
+<file path=ppt/slides/slide14.xml><?xml version="1.0" encoding="utf-8"?>
 <p:sld xmlns:a="http://schemas.openxmlformats.org/drawingml/2006/main" xmlns:r="http://schemas.openxmlformats.org/officeDocument/2006/relationships" xmlns:p="http://schemas.openxmlformats.org/presentationml/2006/main">
   <p:cSld>
     <p:spTree>
@@ -5453,7 +6151,7 @@
         </p:blipFill>
         <p:spPr>
           <a:xfrm>
-            <a:off x="5086139" y="3620645"/>
+            <a:off x="3265773" y="3650333"/>
             <a:ext cx="2664296" cy="864096"/>
           </a:xfrm>
           <a:prstGeom prst="rect">
@@ -5558,7 +6256,7 @@
         </p:nvGrpSpPr>
         <p:grpSpPr>
           <a:xfrm>
-            <a:off x="1547664" y="1131590"/>
+            <a:off x="683568" y="1247772"/>
             <a:ext cx="2520280" cy="3475346"/>
             <a:chOff x="1115616" y="1184636"/>
             <a:chExt cx="2520280" cy="3475346"/>
@@ -5933,7 +6631,7 @@
         </p:blipFill>
         <p:spPr>
           <a:xfrm>
-            <a:off x="5456262" y="1339422"/>
+            <a:off x="3635896" y="1369110"/>
             <a:ext cx="1838325" cy="523875"/>
           </a:xfrm>
           <a:prstGeom prst="rect">
@@ -5957,7 +6655,7 @@
         </p:blipFill>
         <p:spPr>
           <a:xfrm>
-            <a:off x="5456262" y="2446696"/>
+            <a:off x="3635896" y="2476384"/>
             <a:ext cx="1924050" cy="590550"/>
           </a:xfrm>
           <a:prstGeom prst="rect">
@@ -5973,7 +6671,7 @@
         </p:nvSpPr>
         <p:spPr>
           <a:xfrm>
-            <a:off x="6245829" y="1969163"/>
+            <a:off x="4425463" y="1998851"/>
             <a:ext cx="344916" cy="371667"/>
           </a:xfrm>
           <a:prstGeom prst="plus">
@@ -6023,8 +6721,8 @@
         </p:nvSpPr>
         <p:spPr>
           <a:xfrm>
-            <a:off x="3707904" y="878440"/>
-            <a:ext cx="1944216" cy="369332"/>
+            <a:off x="6012160" y="1418500"/>
+            <a:ext cx="2880319" cy="2369880"/>
           </a:xfrm>
           <a:prstGeom prst="rect">
             <a:avLst/>
@@ -6037,19 +6735,115 @@
           </a:bodyPr>
           <a:lstStyle/>
           <a:p>
-            <a:r>
-              <a:rPr lang="en-US" altLang="ko-KR" dirty="0" smtClean="0"/>
+            <a:pPr algn="ctr"/>
+            <a:r>
+              <a:rPr lang="en-US" altLang="ko-KR" sz="1400" dirty="0" smtClean="0"/>
               <a:t>AI</a:t>
             </a:r>
             <a:r>
-              <a:rPr lang="ko-KR" altLang="en-US" dirty="0" smtClean="0"/>
-              <a:t>가 인사를 한다</a:t>
-            </a:r>
-            <a:r>
-              <a:rPr lang="en-US" altLang="ko-KR" dirty="0" smtClean="0"/>
+              <a:rPr lang="ko-KR" altLang="en-US" sz="1400" dirty="0" smtClean="0"/>
+              <a:t>가 인사를 </a:t>
+            </a:r>
+            <a:r>
+              <a:rPr lang="ko-KR" altLang="en-US" sz="1400" dirty="0" smtClean="0"/>
+              <a:t>하는 기능 추가</a:t>
+            </a:r>
+            <a:endParaRPr lang="en-US" altLang="ko-KR" sz="1400" dirty="0" smtClean="0"/>
+          </a:p>
+          <a:p>
+            <a:endParaRPr lang="en-US" altLang="ko-KR" sz="1400" dirty="0"/>
+          </a:p>
+          <a:p>
+            <a:pPr marL="228600" indent="-228600">
+              <a:lnSpc>
+                <a:spcPct val="200000"/>
+              </a:lnSpc>
+              <a:buAutoNum type="arabicPeriod"/>
+            </a:pPr>
+            <a:r>
+              <a:rPr lang="ko-KR" altLang="en-US" sz="1200" dirty="0" smtClean="0"/>
+              <a:t>모양</a:t>
+            </a:r>
+            <a:r>
+              <a:rPr lang="en-US" altLang="ko-KR" sz="1200" dirty="0" smtClean="0"/>
+              <a:t>(</a:t>
+            </a:r>
+            <a:r>
+              <a:rPr lang="ko-KR" altLang="en-US" sz="1200" dirty="0" smtClean="0"/>
+              <a:t>얼굴</a:t>
+            </a:r>
+            <a:r>
+              <a:rPr lang="en-US" altLang="ko-KR" sz="1200" dirty="0" smtClean="0"/>
+              <a:t>)</a:t>
+            </a:r>
+            <a:r>
+              <a:rPr lang="ko-KR" altLang="en-US" sz="1200" dirty="0" smtClean="0"/>
+              <a:t>을 무표정으로 바꾼다</a:t>
+            </a:r>
+            <a:r>
+              <a:rPr lang="en-US" altLang="ko-KR" sz="1200" dirty="0" smtClean="0"/>
               <a:t>.</a:t>
             </a:r>
-            <a:endParaRPr lang="ko-KR" altLang="en-US" dirty="0"/>
+          </a:p>
+          <a:p>
+            <a:pPr marL="228600" indent="-228600">
+              <a:lnSpc>
+                <a:spcPct val="200000"/>
+              </a:lnSpc>
+              <a:buAutoNum type="arabicPeriod"/>
+            </a:pPr>
+            <a:endParaRPr lang="en-US" altLang="ko-KR" sz="1200" dirty="0"/>
+          </a:p>
+          <a:p>
+            <a:pPr marL="228600" indent="-228600">
+              <a:lnSpc>
+                <a:spcPct val="200000"/>
+              </a:lnSpc>
+              <a:buAutoNum type="arabicPeriod"/>
+            </a:pPr>
+            <a:r>
+              <a:rPr lang="ko-KR" altLang="en-US" sz="1200" dirty="0" smtClean="0"/>
+              <a:t>컴퓨터가 </a:t>
+            </a:r>
+            <a:r>
+              <a:rPr lang="en-US" altLang="ko-KR" sz="1200" dirty="0" smtClean="0"/>
+              <a:t>“</a:t>
+            </a:r>
+            <a:r>
+              <a:rPr lang="ko-KR" altLang="en-US" sz="1200" dirty="0" smtClean="0"/>
+              <a:t>안녕</a:t>
+            </a:r>
+            <a:r>
+              <a:rPr lang="en-US" altLang="ko-KR" sz="1200" dirty="0" smtClean="0"/>
+              <a:t>” </a:t>
+            </a:r>
+            <a:r>
+              <a:rPr lang="ko-KR" altLang="en-US" sz="1200" dirty="0" smtClean="0"/>
+              <a:t>을 출력하고 대기</a:t>
+            </a:r>
+            <a:endParaRPr lang="en-US" altLang="ko-KR" sz="1200" dirty="0" smtClean="0"/>
+          </a:p>
+          <a:p>
+            <a:pPr marL="228600" indent="-228600">
+              <a:lnSpc>
+                <a:spcPct val="200000"/>
+              </a:lnSpc>
+              <a:buAutoNum type="arabicPeriod"/>
+            </a:pPr>
+            <a:endParaRPr lang="en-US" altLang="ko-KR" sz="1200" dirty="0"/>
+          </a:p>
+          <a:p>
+            <a:pPr marL="228600" indent="-228600">
+              <a:lnSpc>
+                <a:spcPct val="200000"/>
+              </a:lnSpc>
+              <a:buAutoNum type="arabicPeriod"/>
+            </a:pPr>
+            <a:r>
+              <a:rPr lang="ko-KR" altLang="en-US" sz="1200" dirty="0" smtClean="0"/>
+              <a:t>합치기</a:t>
+            </a:r>
+            <a:endParaRPr lang="ko-KR" altLang="en-US" sz="1200" dirty="0"/>
           </a:p>
         </p:txBody>
       </p:sp>
@@ -6073,7 +6867,7 @@
 </p:sld>
 </file>
 
-<file path=ppt/slides/slide14.xml><?xml version="1.0" encoding="utf-8"?>
+<file path=ppt/slides/slide15.xml><?xml version="1.0" encoding="utf-8"?>
 <p:sld xmlns:a="http://schemas.openxmlformats.org/drawingml/2006/main" xmlns:r="http://schemas.openxmlformats.org/officeDocument/2006/relationships" xmlns:p="http://schemas.openxmlformats.org/presentationml/2006/main">
   <p:cSld>
     <p:spTree>
@@ -6090,36 +6884,6 @@
           <a:chExt cx="0" cy="0"/>
         </a:xfrm>
       </p:grpSpPr>
-      <p:sp>
-        <p:nvSpPr>
-          <p:cNvPr id="11" name="TextBox 10"/>
-          <p:cNvSpPr txBox="1"/>
-          <p:nvPr/>
-        </p:nvSpPr>
-        <p:spPr>
-          <a:xfrm>
-            <a:off x="1547664" y="1338322"/>
-            <a:ext cx="360040" cy="369332"/>
-          </a:xfrm>
-          <a:prstGeom prst="rect">
-            <a:avLst/>
-          </a:prstGeom>
-          <a:noFill/>
-        </p:spPr>
-        <p:txBody>
-          <a:bodyPr wrap="square" rtlCol="0">
-            <a:spAutoFit/>
-          </a:bodyPr>
-          <a:lstStyle/>
-          <a:p>
-            <a:r>
-              <a:rPr lang="en-US" altLang="ko-KR" dirty="0" smtClean="0"/>
-              <a:t>…</a:t>
-            </a:r>
-            <a:endParaRPr lang="ko-KR" altLang="en-US" dirty="0"/>
-          </a:p>
-        </p:txBody>
-      </p:sp>
       <p:grpSp>
         <p:nvGrpSpPr>
           <p:cNvPr id="25" name="그룹 24"/>
@@ -6128,7 +6892,7 @@
         </p:nvGrpSpPr>
         <p:grpSpPr>
           <a:xfrm>
-            <a:off x="3480498" y="1401304"/>
+            <a:off x="2867514" y="1171124"/>
             <a:ext cx="2184632" cy="2376264"/>
             <a:chOff x="6336196" y="1101973"/>
             <a:chExt cx="2592288" cy="3269977"/>
@@ -6532,8 +7296,8 @@
         </p:nvGrpSpPr>
         <p:grpSpPr>
           <a:xfrm>
-            <a:off x="107503" y="1275606"/>
-            <a:ext cx="3097973" cy="3456384"/>
+            <a:off x="252040" y="1243132"/>
+            <a:ext cx="2232249" cy="2304256"/>
             <a:chOff x="107503" y="1275606"/>
             <a:chExt cx="3097973" cy="3456384"/>
           </a:xfrm>
@@ -6769,7 +7533,7 @@
         </p:blipFill>
         <p:spPr>
           <a:xfrm>
-            <a:off x="6098476" y="3430451"/>
+            <a:off x="5810784" y="2574101"/>
             <a:ext cx="2861295" cy="1123950"/>
           </a:xfrm>
           <a:prstGeom prst="rect">
@@ -6792,7 +7556,7 @@
         </p:blipFill>
         <p:spPr>
           <a:xfrm>
-            <a:off x="6196073" y="1670478"/>
+            <a:off x="5920135" y="1328036"/>
             <a:ext cx="1224136" cy="288032"/>
           </a:xfrm>
           <a:prstGeom prst="rect">
@@ -6815,7 +7579,7 @@
         </p:blipFill>
         <p:spPr>
           <a:xfrm>
-            <a:off x="7912104" y="1776617"/>
+            <a:off x="7812360" y="1498958"/>
             <a:ext cx="648072" cy="432048"/>
           </a:xfrm>
           <a:prstGeom prst="rect">
@@ -6838,7 +7602,7 @@
         </p:blipFill>
         <p:spPr>
           <a:xfrm>
-            <a:off x="7912104" y="1468332"/>
+            <a:off x="7812360" y="1152985"/>
             <a:ext cx="648072" cy="360041"/>
           </a:xfrm>
           <a:prstGeom prst="rect">
@@ -6862,7 +7626,7 @@
         </p:blipFill>
         <p:spPr>
           <a:xfrm>
-            <a:off x="6515876" y="2303939"/>
+            <a:off x="6228184" y="1962041"/>
             <a:ext cx="2026497" cy="581025"/>
           </a:xfrm>
           <a:prstGeom prst="rect">
@@ -6878,8 +7642,8 @@
         </p:nvSpPr>
         <p:spPr>
           <a:xfrm>
-            <a:off x="2159732" y="926529"/>
-            <a:ext cx="4648409" cy="307777"/>
+            <a:off x="795938" y="3842514"/>
+            <a:ext cx="7844494" cy="954107"/>
           </a:xfrm>
           <a:prstGeom prst="rect">
             <a:avLst/>
@@ -6902,7 +7666,57 @@
             </a:r>
             <a:r>
               <a:rPr lang="ko-KR" altLang="en-US" sz="1400" dirty="0" smtClean="0"/>
-              <a:t>가 판단한다</a:t>
+              <a:t>가 </a:t>
+            </a:r>
+            <a:r>
+              <a:rPr lang="ko-KR" altLang="en-US" sz="1400" dirty="0" smtClean="0"/>
+              <a:t>판단하는 기능 추가</a:t>
+            </a:r>
+            <a:endParaRPr lang="en-US" altLang="ko-KR" sz="1400" dirty="0" smtClean="0"/>
+          </a:p>
+          <a:p>
+            <a:pPr marL="342900" indent="-342900">
+              <a:buAutoNum type="arabicPeriod"/>
+            </a:pPr>
+            <a:r>
+              <a:rPr lang="ko-KR" altLang="en-US" sz="1400" dirty="0" smtClean="0"/>
+              <a:t>사용자가 </a:t>
+            </a:r>
+            <a:r>
+              <a:rPr lang="en-US" altLang="ko-KR" sz="1400" dirty="0" smtClean="0"/>
+              <a:t>“</a:t>
+            </a:r>
+            <a:r>
+              <a:rPr lang="ko-KR" altLang="en-US" sz="1400" dirty="0" smtClean="0"/>
+              <a:t>대답</a:t>
+            </a:r>
+            <a:r>
+              <a:rPr lang="en-US" altLang="ko-KR" sz="1400" dirty="0" smtClean="0"/>
+              <a:t>” </a:t>
+            </a:r>
+            <a:r>
+              <a:rPr lang="ko-KR" altLang="en-US" sz="1400" dirty="0" smtClean="0"/>
+              <a:t>텍스트를 입력한 것을 인식</a:t>
+            </a:r>
+            <a:endParaRPr lang="en-US" altLang="ko-KR" sz="1400" dirty="0" smtClean="0"/>
+          </a:p>
+          <a:p>
+            <a:pPr marL="342900" indent="-342900">
+              <a:buAutoNum type="arabicPeriod"/>
+            </a:pPr>
+            <a:r>
+              <a:rPr lang="ko-KR" altLang="en-US" sz="1400" dirty="0" smtClean="0"/>
+              <a:t>칭찬인지 욕인지 판별</a:t>
+            </a:r>
+            <a:endParaRPr lang="en-US" altLang="ko-KR" sz="1400" dirty="0" smtClean="0"/>
+          </a:p>
+          <a:p>
+            <a:pPr marL="342900" indent="-342900">
+              <a:buAutoNum type="arabicPeriod"/>
+            </a:pPr>
+            <a:r>
+              <a:rPr lang="ko-KR" altLang="en-US" sz="1400" dirty="0" smtClean="0"/>
+              <a:t>판별한 결과가 사실인지 거짓인지 알려준다</a:t>
             </a:r>
             <a:r>
               <a:rPr lang="en-US" altLang="ko-KR" sz="1400" dirty="0" smtClean="0"/>
@@ -6932,7 +7746,7 @@
 </p:sld>
 </file>
 
-<file path=ppt/slides/slide15.xml><?xml version="1.0" encoding="utf-8"?>
+<file path=ppt/slides/slide16.xml><?xml version="1.0" encoding="utf-8"?>
 <p:sld xmlns:a="http://schemas.openxmlformats.org/drawingml/2006/main" xmlns:r="http://schemas.openxmlformats.org/officeDocument/2006/relationships" xmlns:p="http://schemas.openxmlformats.org/presentationml/2006/main">
   <p:cSld>
     <p:spTree>
@@ -6957,7 +7771,7 @@
         </p:nvGrpSpPr>
         <p:grpSpPr>
           <a:xfrm>
-            <a:off x="793850" y="1157337"/>
+            <a:off x="426612" y="988356"/>
             <a:ext cx="2184632" cy="2376264"/>
             <a:chOff x="6336196" y="1101973"/>
             <a:chExt cx="2592288" cy="3269977"/>
@@ -7390,7 +8204,7 @@
         </p:nvGrpSpPr>
         <p:grpSpPr>
           <a:xfrm>
-            <a:off x="3533117" y="1205023"/>
+            <a:off x="2983532" y="1108289"/>
             <a:ext cx="2002579" cy="1569828"/>
             <a:chOff x="6372200" y="1314227"/>
             <a:chExt cx="2002579" cy="1569828"/>
@@ -7638,7 +8452,7 @@
         </p:nvGrpSpPr>
         <p:grpSpPr>
           <a:xfrm>
-            <a:off x="3502002" y="3141144"/>
+            <a:off x="2983532" y="2809110"/>
             <a:ext cx="2002579" cy="1569828"/>
             <a:chOff x="6372200" y="3162162"/>
             <a:chExt cx="2002579" cy="1569828"/>
@@ -8053,7 +8867,7 @@
         </p:blipFill>
         <p:spPr>
           <a:xfrm>
-            <a:off x="455517" y="3790093"/>
+            <a:off x="114494" y="3374147"/>
             <a:ext cx="2861295" cy="1123950"/>
           </a:xfrm>
           <a:prstGeom prst="rect">
@@ -8220,8 +9034,8 @@
         </p:blipFill>
         <p:spPr>
           <a:xfrm>
-            <a:off x="6695500" y="1233656"/>
-            <a:ext cx="1190625" cy="847725"/>
+            <a:off x="6588224" y="958564"/>
+            <a:ext cx="944575" cy="672537"/>
           </a:xfrm>
           <a:prstGeom prst="rect">
             <a:avLst/>
@@ -8243,7 +9057,7 @@
         </p:blipFill>
         <p:spPr>
           <a:xfrm>
-            <a:off x="5958663" y="2083878"/>
+            <a:off x="5723114" y="1666318"/>
             <a:ext cx="2664297" cy="432048"/>
           </a:xfrm>
           <a:prstGeom prst="rect">
@@ -8267,8 +9081,8 @@
         </p:blipFill>
         <p:spPr>
           <a:xfrm>
-            <a:off x="6393764" y="2515926"/>
-            <a:ext cx="1828800" cy="495300"/>
+            <a:off x="6215304" y="2135407"/>
+            <a:ext cx="1828800" cy="382448"/>
           </a:xfrm>
           <a:prstGeom prst="rect">
             <a:avLst/>
@@ -8291,37 +9105,8 @@
         </p:blipFill>
         <p:spPr>
           <a:xfrm>
-            <a:off x="6372016" y="3058066"/>
+            <a:off x="6214893" y="2488569"/>
             <a:ext cx="1781175" cy="495300"/>
-          </a:xfrm>
-          <a:prstGeom prst="rect">
-            <a:avLst/>
-          </a:prstGeom>
-        </p:spPr>
-      </p:pic>
-      <p:pic>
-        <p:nvPicPr>
-          <p:cNvPr id="39" name="그림 38"/>
-          <p:cNvPicPr>
-            <a:picLocks noChangeAspect="1"/>
-          </p:cNvPicPr>
-          <p:nvPr/>
-        </p:nvPicPr>
-        <p:blipFill rotWithShape="1">
-          <a:blip r:embed="rId3">
-            <a:extLst>
-              <a:ext uri="{28A0092B-C50C-407E-A947-70E740481C1C}">
-                <a14:useLocalDpi xmlns:a14="http://schemas.microsoft.com/office/drawing/2010/main" val="0"/>
-              </a:ext>
-            </a:extLst>
-          </a:blip>
-          <a:srcRect t="43000" b="31801"/>
-          <a:stretch/>
-        </p:blipFill>
-        <p:spPr>
-          <a:xfrm>
-            <a:off x="5723114" y="3621788"/>
-            <a:ext cx="3078978" cy="1177356"/>
           </a:xfrm>
           <a:prstGeom prst="rect">
             <a:avLst/>
@@ -8336,8 +9121,8 @@
         </p:nvSpPr>
         <p:spPr>
           <a:xfrm>
-            <a:off x="2159732" y="926529"/>
-            <a:ext cx="4648409" cy="307777"/>
+            <a:off x="5437838" y="3188101"/>
+            <a:ext cx="3383731" cy="1815882"/>
           </a:xfrm>
           <a:prstGeom prst="rect">
             <a:avLst/>
@@ -8352,30 +9137,89 @@
           <a:p>
             <a:pPr algn="ctr"/>
             <a:r>
-              <a:rPr lang="ko-KR" altLang="en-US" sz="1400" dirty="0" smtClean="0"/>
+              <a:rPr lang="ko-KR" altLang="en-US" sz="2000" dirty="0" smtClean="0"/>
               <a:t>칭찬</a:t>
             </a:r>
             <a:r>
-              <a:rPr lang="en-US" altLang="ko-KR" sz="1400" dirty="0" smtClean="0"/>
+              <a:rPr lang="en-US" altLang="ko-KR" sz="2000" dirty="0" smtClean="0"/>
               <a:t>, </a:t>
             </a:r>
             <a:r>
-              <a:rPr lang="ko-KR" altLang="en-US" sz="1400" dirty="0" smtClean="0"/>
+              <a:rPr lang="ko-KR" altLang="en-US" sz="2000" dirty="0" smtClean="0"/>
               <a:t>욕에 따라 </a:t>
             </a:r>
             <a:r>
-              <a:rPr lang="en-US" altLang="ko-KR" sz="1400" dirty="0" smtClean="0"/>
+              <a:rPr lang="en-US" altLang="ko-KR" sz="2000" dirty="0" smtClean="0"/>
               <a:t>AI</a:t>
             </a:r>
             <a:r>
-              <a:rPr lang="ko-KR" altLang="en-US" sz="1400" dirty="0" smtClean="0"/>
-              <a:t>의 표정이 달라진다</a:t>
-            </a:r>
-            <a:r>
-              <a:rPr lang="en-US" altLang="ko-KR" sz="1400" dirty="0" smtClean="0"/>
+              <a:rPr lang="ko-KR" altLang="en-US" sz="2000" dirty="0" smtClean="0"/>
+              <a:t>의 표정이 </a:t>
+            </a:r>
+            <a:r>
+              <a:rPr lang="ko-KR" altLang="en-US" sz="2000" dirty="0" smtClean="0"/>
+              <a:t>달라지는 기능 추가</a:t>
+            </a:r>
+            <a:endParaRPr lang="en-US" altLang="ko-KR" sz="2000" dirty="0" smtClean="0"/>
+          </a:p>
+          <a:p>
+            <a:pPr marL="342900" indent="-342900">
+              <a:lnSpc>
+                <a:spcPct val="150000"/>
+              </a:lnSpc>
+              <a:buAutoNum type="arabicPeriod"/>
+            </a:pPr>
+            <a:r>
+              <a:rPr lang="ko-KR" altLang="en-US" sz="1200" dirty="0" smtClean="0"/>
+              <a:t>대답이 칭찬인지 욕인지 인식</a:t>
+            </a:r>
+            <a:endParaRPr lang="en-US" altLang="ko-KR" sz="1200" dirty="0" smtClean="0"/>
+          </a:p>
+          <a:p>
+            <a:pPr marL="342900" indent="-342900">
+              <a:lnSpc>
+                <a:spcPct val="150000"/>
+              </a:lnSpc>
+              <a:buAutoNum type="arabicPeriod"/>
+            </a:pPr>
+            <a:r>
+              <a:rPr lang="ko-KR" altLang="en-US" sz="1200" dirty="0" smtClean="0"/>
+              <a:t>조건 블록을 이용</a:t>
+            </a:r>
+            <a:endParaRPr lang="en-US" altLang="ko-KR" sz="1200" dirty="0" smtClean="0"/>
+          </a:p>
+          <a:p>
+            <a:pPr marL="342900" indent="-342900">
+              <a:lnSpc>
+                <a:spcPct val="150000"/>
+              </a:lnSpc>
+              <a:buAutoNum type="arabicPeriod"/>
+            </a:pPr>
+            <a:r>
+              <a:rPr lang="ko-KR" altLang="en-US" sz="1200" dirty="0" smtClean="0"/>
+              <a:t>칭찬이 사실일 때 웃는 얼굴로 바꾼다</a:t>
+            </a:r>
+            <a:r>
+              <a:rPr lang="en-US" altLang="ko-KR" sz="1200" dirty="0" smtClean="0"/>
               <a:t>.</a:t>
             </a:r>
-            <a:endParaRPr lang="ko-KR" altLang="en-US" sz="1400" dirty="0"/>
+          </a:p>
+          <a:p>
+            <a:pPr marL="342900" indent="-342900">
+              <a:lnSpc>
+                <a:spcPct val="150000"/>
+              </a:lnSpc>
+              <a:buAutoNum type="arabicPeriod"/>
+            </a:pPr>
+            <a:r>
+              <a:rPr lang="ko-KR" altLang="en-US" sz="1200" dirty="0" smtClean="0"/>
+              <a:t>욕이 사실일 때 우는 얼굴로 바꾼다</a:t>
+            </a:r>
+            <a:r>
+              <a:rPr lang="en-US" altLang="ko-KR" sz="1200" dirty="0" smtClean="0"/>
+              <a:t>.</a:t>
+            </a:r>
+            <a:endParaRPr lang="ko-KR" altLang="en-US" sz="1200" dirty="0"/>
           </a:p>
         </p:txBody>
       </p:sp>
@@ -8399,7 +9243,7 @@
 </p:sld>
 </file>
 
-<file path=ppt/slides/slide16.xml><?xml version="1.0" encoding="utf-8"?>
+<file path=ppt/slides/slide17.xml><?xml version="1.0" encoding="utf-8"?>
 <p:sld xmlns:a="http://schemas.openxmlformats.org/drawingml/2006/main" xmlns:r="http://schemas.openxmlformats.org/officeDocument/2006/relationships" xmlns:p="http://schemas.openxmlformats.org/presentationml/2006/main">
   <p:cSld>
     <p:spTree>
@@ -8437,7 +9281,7 @@
         </p:blipFill>
         <p:spPr>
           <a:xfrm>
-            <a:off x="404219" y="1328291"/>
+            <a:off x="289381" y="1261566"/>
             <a:ext cx="3130491" cy="1080120"/>
           </a:xfrm>
           <a:prstGeom prst="rect">
@@ -8466,7 +9310,7 @@
         </p:blipFill>
         <p:spPr>
           <a:xfrm>
-            <a:off x="404218" y="2685255"/>
+            <a:off x="289380" y="2618530"/>
             <a:ext cx="3078978" cy="1177356"/>
           </a:xfrm>
           <a:prstGeom prst="rect">
@@ -8585,37 +9429,8 @@
         </p:blipFill>
         <p:spPr>
           <a:xfrm>
-            <a:off x="4788024" y="1491630"/>
-            <a:ext cx="3096344" cy="2757810"/>
-          </a:xfrm>
-          <a:prstGeom prst="rect">
-            <a:avLst/>
-          </a:prstGeom>
-        </p:spPr>
-      </p:pic>
-      <p:pic>
-        <p:nvPicPr>
-          <p:cNvPr id="9" name="그림 8"/>
-          <p:cNvPicPr>
-            <a:picLocks noChangeAspect="1"/>
-          </p:cNvPicPr>
-          <p:nvPr/>
-        </p:nvPicPr>
-        <p:blipFill rotWithShape="1">
-          <a:blip r:embed="rId5">
-            <a:extLst>
-              <a:ext uri="{28A0092B-C50C-407E-A947-70E740481C1C}">
-                <a14:useLocalDpi xmlns:a14="http://schemas.microsoft.com/office/drawing/2010/main" val="0"/>
-              </a:ext>
-            </a:extLst>
-          </a:blip>
-          <a:srcRect l="6646" t="6202" b="78885"/>
-          <a:stretch/>
-        </p:blipFill>
-        <p:spPr>
-          <a:xfrm>
-            <a:off x="683568" y="4227934"/>
-            <a:ext cx="2713454" cy="216024"/>
+            <a:off x="3625281" y="1272546"/>
+            <a:ext cx="2833092" cy="2523340"/>
           </a:xfrm>
           <a:prstGeom prst="rect">
             <a:avLst/>
@@ -8624,139 +9439,76 @@
       </p:pic>
       <p:grpSp>
         <p:nvGrpSpPr>
-          <p:cNvPr id="4" name="그룹 3"/>
+          <p:cNvPr id="3" name="그룹 2"/>
           <p:cNvGrpSpPr/>
           <p:nvPr/>
         </p:nvGrpSpPr>
         <p:grpSpPr>
           <a:xfrm>
-            <a:off x="611560" y="1868351"/>
-            <a:ext cx="2088232" cy="2605764"/>
+            <a:off x="519674" y="1792914"/>
+            <a:ext cx="2088232" cy="1622822"/>
             <a:chOff x="611560" y="1868351"/>
-            <a:chExt cx="2088232" cy="2605764"/>
+            <a:chExt cx="2088232" cy="1622822"/>
           </a:xfrm>
         </p:grpSpPr>
-        <p:grpSp>
-          <p:nvGrpSpPr>
-            <p:cNvPr id="3" name="그룹 2"/>
-            <p:cNvGrpSpPr/>
-            <p:nvPr/>
-          </p:nvGrpSpPr>
-          <p:grpSpPr>
-            <a:xfrm>
-              <a:off x="611560" y="1868351"/>
-              <a:ext cx="2088232" cy="1622822"/>
-              <a:chOff x="611560" y="1868351"/>
-              <a:chExt cx="2088232" cy="1622822"/>
-            </a:xfrm>
-          </p:grpSpPr>
-          <p:sp>
-            <p:nvSpPr>
-              <p:cNvPr id="2" name="직사각형 1"/>
-              <p:cNvSpPr/>
-              <p:nvPr/>
-            </p:nvSpPr>
-            <p:spPr>
-              <a:xfrm>
-                <a:off x="611560" y="1868351"/>
-                <a:ext cx="2088232" cy="271351"/>
-              </a:xfrm>
-              <a:prstGeom prst="rect">
-                <a:avLst/>
-              </a:prstGeom>
-              <a:noFill/>
-              <a:ln w="28575" cap="flat" cmpd="sng" algn="ctr">
-                <a:solidFill>
-                  <a:srgbClr val="FF0000"/>
-                </a:solidFill>
-                <a:prstDash val="solid"/>
-                <a:round/>
-                <a:headEnd type="none" w="med" len="med"/>
-                <a:tailEnd type="none" w="med" len="med"/>
-              </a:ln>
-            </p:spPr>
-            <p:style>
-              <a:lnRef idx="0">
-                <a:scrgbClr r="0" g="0" b="0"/>
-              </a:lnRef>
-              <a:fillRef idx="0">
-                <a:scrgbClr r="0" g="0" b="0"/>
-              </a:fillRef>
-              <a:effectRef idx="0">
-                <a:scrgbClr r="0" g="0" b="0"/>
-              </a:effectRef>
-              <a:fontRef idx="minor">
-                <a:schemeClr val="accent2"/>
-              </a:fontRef>
-            </p:style>
-            <p:txBody>
-              <a:bodyPr rtlCol="0" anchor="ctr"/>
-              <a:lstStyle/>
-              <a:p>
-                <a:pPr algn="ctr"/>
-                <a:endParaRPr lang="ko-KR" altLang="en-US"/>
-              </a:p>
-            </p:txBody>
-          </p:sp>
-          <p:sp>
-            <p:nvSpPr>
-              <p:cNvPr id="31" name="직사각형 30"/>
-              <p:cNvSpPr/>
-              <p:nvPr/>
-            </p:nvSpPr>
-            <p:spPr>
-              <a:xfrm>
-                <a:off x="611560" y="3219822"/>
-                <a:ext cx="2016224" cy="271351"/>
-              </a:xfrm>
-              <a:prstGeom prst="rect">
-                <a:avLst/>
-              </a:prstGeom>
-              <a:noFill/>
-              <a:ln w="28575" cap="flat" cmpd="sng" algn="ctr">
-                <a:solidFill>
-                  <a:srgbClr val="FF0000"/>
-                </a:solidFill>
-                <a:prstDash val="solid"/>
-                <a:round/>
-                <a:headEnd type="none" w="med" len="med"/>
-                <a:tailEnd type="none" w="med" len="med"/>
-              </a:ln>
-            </p:spPr>
-            <p:style>
-              <a:lnRef idx="0">
-                <a:scrgbClr r="0" g="0" b="0"/>
-              </a:lnRef>
-              <a:fillRef idx="0">
-                <a:scrgbClr r="0" g="0" b="0"/>
-              </a:fillRef>
-              <a:effectRef idx="0">
-                <a:scrgbClr r="0" g="0" b="0"/>
-              </a:effectRef>
-              <a:fontRef idx="minor">
-                <a:schemeClr val="accent2"/>
-              </a:fontRef>
-            </p:style>
-            <p:txBody>
-              <a:bodyPr rtlCol="0" anchor="ctr"/>
-              <a:lstStyle/>
-              <a:p>
-                <a:pPr algn="ctr"/>
-                <a:endParaRPr lang="ko-KR" altLang="en-US"/>
-              </a:p>
-            </p:txBody>
-          </p:sp>
-        </p:grpSp>
         <p:sp>
           <p:nvSpPr>
-            <p:cNvPr id="10" name="직사각형 9"/>
+            <p:cNvPr id="2" name="직사각형 1"/>
             <p:cNvSpPr/>
             <p:nvPr/>
           </p:nvSpPr>
           <p:spPr>
             <a:xfrm>
-              <a:off x="690242" y="4202764"/>
-              <a:ext cx="1116124" cy="271351"/>
+              <a:off x="611560" y="1868351"/>
+              <a:ext cx="2088232" cy="271351"/>
+            </a:xfrm>
+            <a:prstGeom prst="rect">
+              <a:avLst/>
+            </a:prstGeom>
+            <a:noFill/>
+            <a:ln w="28575" cap="flat" cmpd="sng" algn="ctr">
+              <a:solidFill>
+                <a:srgbClr val="FF0000"/>
+              </a:solidFill>
+              <a:prstDash val="solid"/>
+              <a:round/>
+              <a:headEnd type="none" w="med" len="med"/>
+              <a:tailEnd type="none" w="med" len="med"/>
+            </a:ln>
+          </p:spPr>
+          <p:style>
+            <a:lnRef idx="0">
+              <a:scrgbClr r="0" g="0" b="0"/>
+            </a:lnRef>
+            <a:fillRef idx="0">
+              <a:scrgbClr r="0" g="0" b="0"/>
+            </a:fillRef>
+            <a:effectRef idx="0">
+              <a:scrgbClr r="0" g="0" b="0"/>
+            </a:effectRef>
+            <a:fontRef idx="minor">
+              <a:schemeClr val="accent2"/>
+            </a:fontRef>
+          </p:style>
+          <p:txBody>
+            <a:bodyPr rtlCol="0" anchor="ctr"/>
+            <a:lstStyle/>
+            <a:p>
+              <a:pPr algn="ctr"/>
+              <a:endParaRPr lang="ko-KR" altLang="en-US"/>
+            </a:p>
+          </p:txBody>
+        </p:sp>
+        <p:sp>
+          <p:nvSpPr>
+            <p:cNvPr id="31" name="직사각형 30"/>
+            <p:cNvSpPr/>
+            <p:nvPr/>
+          </p:nvSpPr>
+          <p:spPr>
+            <a:xfrm>
+              <a:off x="611560" y="3219822"/>
+              <a:ext cx="2016224" cy="271351"/>
             </a:xfrm>
             <a:prstGeom prst="rect">
               <a:avLst/>
@@ -8804,8 +9556,8 @@
         </p:nvSpPr>
         <p:spPr>
           <a:xfrm>
-            <a:off x="2159732" y="926529"/>
-            <a:ext cx="4648409" cy="307777"/>
+            <a:off x="467544" y="3954451"/>
+            <a:ext cx="8352928" cy="1169551"/>
           </a:xfrm>
           <a:prstGeom prst="rect">
             <a:avLst/>
@@ -8825,40 +9577,51 @@
             </a:r>
             <a:r>
               <a:rPr lang="ko-KR" altLang="en-US" sz="1400" dirty="0" smtClean="0"/>
-              <a:t>가 대화 내용을 다시 학습한다</a:t>
+              <a:t>가 대화 내용을 다시 </a:t>
+            </a:r>
+            <a:r>
+              <a:rPr lang="ko-KR" altLang="en-US" sz="1400" dirty="0" smtClean="0"/>
+              <a:t>학습하는 기능 추가</a:t>
+            </a:r>
+            <a:endParaRPr lang="en-US" altLang="ko-KR" sz="1400" dirty="0" smtClean="0"/>
+          </a:p>
+          <a:p>
+            <a:pPr marL="342900" indent="-342900">
+              <a:buAutoNum type="arabicPeriod"/>
+            </a:pPr>
+            <a:r>
+              <a:rPr lang="ko-KR" altLang="en-US" sz="1400" dirty="0" smtClean="0"/>
+              <a:t>대답한 내용을 칭찬인지 욕인지 구분한다</a:t>
             </a:r>
             <a:r>
               <a:rPr lang="en-US" altLang="ko-KR" sz="1400" dirty="0" smtClean="0"/>
               <a:t>.</a:t>
             </a:r>
-            <a:endParaRPr lang="ko-KR" altLang="en-US" sz="1400" dirty="0"/>
-          </a:p>
-        </p:txBody>
-      </p:sp>
-      <p:sp>
-        <p:nvSpPr>
-          <p:cNvPr id="6" name="TextBox 5"/>
-          <p:cNvSpPr txBox="1"/>
-          <p:nvPr/>
-        </p:nvSpPr>
-        <p:spPr>
-          <a:xfrm>
-            <a:off x="4319972" y="4335946"/>
-            <a:ext cx="4032448" cy="369332"/>
-          </a:xfrm>
-          <a:prstGeom prst="rect">
-            <a:avLst/>
-          </a:prstGeom>
-          <a:noFill/>
-        </p:spPr>
-        <p:txBody>
-          <a:bodyPr wrap="square" rtlCol="0">
-            <a:spAutoFit/>
-          </a:bodyPr>
-          <a:lstStyle/>
-          <a:p>
-            <a:r>
-              <a:rPr lang="ko-KR" altLang="en-US" dirty="0" smtClean="0">
+          </a:p>
+          <a:p>
+            <a:pPr marL="342900" indent="-342900">
+              <a:buAutoNum type="arabicPeriod"/>
+            </a:pPr>
+            <a:r>
+              <a:rPr lang="ko-KR" altLang="en-US" sz="1400" dirty="0" smtClean="0"/>
+              <a:t>구분한 내용을 컴퓨터에게 알려주고 학습시킨다</a:t>
+            </a:r>
+            <a:r>
+              <a:rPr lang="en-US" altLang="ko-KR" sz="1400" dirty="0" smtClean="0"/>
+              <a:t>.</a:t>
+            </a:r>
+          </a:p>
+          <a:p>
+            <a:endParaRPr lang="en-US" altLang="ko-KR" sz="1400" dirty="0" smtClean="0">
+              <a:solidFill>
+                <a:srgbClr val="FF0000"/>
+              </a:solidFill>
+            </a:endParaRPr>
+          </a:p>
+          <a:p>
+            <a:pPr algn="ctr"/>
+            <a:r>
+              <a:rPr lang="ko-KR" altLang="en-US" sz="1400" dirty="0" smtClean="0">
                 <a:solidFill>
                   <a:srgbClr val="FF0000"/>
                 </a:solidFill>
@@ -8866,7 +9629,7 @@
               <a:t>주의</a:t>
             </a:r>
             <a:r>
-              <a:rPr lang="en-US" altLang="ko-KR" dirty="0" smtClean="0">
+              <a:rPr lang="en-US" altLang="ko-KR" sz="1400" dirty="0">
                 <a:solidFill>
                   <a:srgbClr val="FF0000"/>
                 </a:solidFill>
@@ -8874,18 +9637,54 @@
               <a:t>! </a:t>
             </a:r>
             <a:r>
-              <a:rPr lang="ko-KR" altLang="en-US" dirty="0" smtClean="0">
+              <a:rPr lang="ko-KR" altLang="en-US" sz="1400" dirty="0">
                 <a:solidFill>
                   <a:srgbClr val="FF0000"/>
                 </a:solidFill>
               </a:rPr>
-              <a:t>과한 학습은 부정적영향을 준다</a:t>
-            </a:r>
-            <a:endParaRPr lang="ko-KR" altLang="en-US" dirty="0">
-              <a:solidFill>
-                <a:srgbClr val="FF0000"/>
-              </a:solidFill>
-            </a:endParaRPr>
+              <a:t>과한 학습은 부정적영향을 </a:t>
+            </a:r>
+            <a:r>
+              <a:rPr lang="ko-KR" altLang="en-US" sz="1400" dirty="0" smtClean="0">
+                <a:solidFill>
+                  <a:srgbClr val="FF0000"/>
+                </a:solidFill>
+              </a:rPr>
+              <a:t>준다</a:t>
+            </a:r>
+            <a:r>
+              <a:rPr lang="en-US" altLang="ko-KR" sz="1400" dirty="0">
+                <a:solidFill>
+                  <a:srgbClr val="FF0000"/>
+                </a:solidFill>
+              </a:rPr>
+              <a:t> </a:t>
+            </a:r>
+            <a:r>
+              <a:rPr lang="en-US" altLang="ko-KR" sz="1400" dirty="0" smtClean="0">
+                <a:solidFill>
+                  <a:srgbClr val="FF0000"/>
+                </a:solidFill>
+              </a:rPr>
+              <a:t>(</a:t>
+            </a:r>
+            <a:r>
+              <a:rPr lang="ko-KR" altLang="en-US" sz="1400" dirty="0" smtClean="0">
+                <a:solidFill>
+                  <a:srgbClr val="FF0000"/>
+                </a:solidFill>
+              </a:rPr>
+              <a:t>우리가 문제집을 많이 풀면 답을 외우는 것과 비슷한 현상</a:t>
+            </a:r>
+            <a:r>
+              <a:rPr lang="en-US" altLang="ko-KR" sz="1400" dirty="0" smtClean="0">
+                <a:solidFill>
+                  <a:srgbClr val="FF0000"/>
+                </a:solidFill>
+              </a:rPr>
+              <a:t>)</a:t>
+            </a:r>
+            <a:endParaRPr lang="ko-KR" altLang="en-US" sz="1400" dirty="0"/>
           </a:p>
         </p:txBody>
       </p:sp>
@@ -8909,7 +9708,7 @@
 </p:sld>
 </file>
 
-<file path=ppt/slides/slide17.xml><?xml version="1.0" encoding="utf-8"?>
+<file path=ppt/slides/slide18.xml><?xml version="1.0" encoding="utf-8"?>
 <p:sld xmlns:a="http://schemas.openxmlformats.org/drawingml/2006/main" xmlns:r="http://schemas.openxmlformats.org/officeDocument/2006/relationships" xmlns:p="http://schemas.openxmlformats.org/presentationml/2006/main">
   <p:cSld>
     <p:bg>
@@ -9049,7 +9848,7 @@
 </p:sld>
 </file>
 
-<file path=ppt/slides/slide18.xml><?xml version="1.0" encoding="utf-8"?>
+<file path=ppt/slides/slide19.xml><?xml version="1.0" encoding="utf-8"?>
 <p:sld xmlns:a="http://schemas.openxmlformats.org/drawingml/2006/main" xmlns:r="http://schemas.openxmlformats.org/officeDocument/2006/relationships" xmlns:p="http://schemas.openxmlformats.org/presentationml/2006/main">
   <p:cSld>
     <p:spTree>
@@ -9074,8 +9873,8 @@
         </p:nvGrpSpPr>
         <p:grpSpPr>
           <a:xfrm>
-            <a:off x="971600" y="1347614"/>
-            <a:ext cx="3097973" cy="3456384"/>
+            <a:off x="779265" y="1082007"/>
+            <a:ext cx="2496592" cy="2191634"/>
             <a:chOff x="683568" y="1203598"/>
             <a:chExt cx="2880320" cy="3672408"/>
           </a:xfrm>
@@ -9175,7 +9974,7 @@
         </p:nvSpPr>
         <p:spPr>
           <a:xfrm>
-            <a:off x="2243437" y="1551888"/>
+            <a:off x="1619672" y="1123839"/>
             <a:ext cx="864096" cy="369332"/>
           </a:xfrm>
           <a:prstGeom prst="rect">
@@ -9210,8 +10009,8 @@
         </p:nvGrpSpPr>
         <p:grpSpPr>
           <a:xfrm>
-            <a:off x="5724128" y="1165723"/>
-            <a:ext cx="2457717" cy="3372668"/>
+            <a:off x="5796136" y="1082007"/>
+            <a:ext cx="2016224" cy="2191634"/>
             <a:chOff x="6444208" y="915567"/>
             <a:chExt cx="2376264" cy="3456383"/>
           </a:xfrm>
@@ -9475,7 +10274,7 @@
           <p:spPr>
             <a:xfrm>
               <a:off x="6916376" y="915567"/>
-              <a:ext cx="1445347" cy="1040873"/>
+              <a:ext cx="1445346" cy="1368038"/>
             </a:xfrm>
             <a:prstGeom prst="rect">
               <a:avLst/>
@@ -9490,7 +10289,7 @@
             <a:p>
               <a:pPr algn="ctr"/>
               <a:r>
-                <a:rPr lang="en-US" altLang="ko-KR" sz="6000" b="1" cap="none" spc="0" dirty="0" smtClean="0">
+                <a:rPr lang="en-US" altLang="ko-KR" sz="4000" b="1" cap="none" spc="0" dirty="0" smtClean="0">
                   <a:ln w="22225">
                     <a:solidFill>
                       <a:schemeClr val="accent2"/>
@@ -9507,7 +10306,7 @@
                 </a:rPr>
                 <a:t>?</a:t>
               </a:r>
-              <a:endParaRPr lang="en-US" altLang="ko-KR" sz="6000" b="1" cap="none" spc="0" dirty="0">
+              <a:endParaRPr lang="en-US" altLang="ko-KR" sz="4000" b="1" cap="none" spc="0" dirty="0">
                 <a:ln w="22225">
                   <a:solidFill>
                     <a:schemeClr val="accent2"/>
@@ -9679,14 +10478,14 @@
       </p:sp>
       <p:sp>
         <p:nvSpPr>
-          <p:cNvPr id="16" name="TextBox 15"/>
+          <p:cNvPr id="22" name="TextBox 21"/>
           <p:cNvSpPr txBox="1"/>
           <p:nvPr/>
         </p:nvSpPr>
         <p:spPr>
           <a:xfrm>
-            <a:off x="2771800" y="4718576"/>
-            <a:ext cx="4104456" cy="369332"/>
+            <a:off x="1331640" y="3435846"/>
+            <a:ext cx="6552728" cy="1200329"/>
           </a:xfrm>
           <a:prstGeom prst="rect">
             <a:avLst/>
@@ -9699,19 +10498,126 @@
           </a:bodyPr>
           <a:lstStyle/>
           <a:p>
-            <a:r>
-              <a:rPr lang="ko-KR" altLang="en-US" dirty="0" smtClean="0">
+            <a:pPr>
+              <a:lnSpc>
+                <a:spcPct val="150000"/>
+              </a:lnSpc>
+            </a:pPr>
+            <a:r>
+              <a:rPr lang="ko-KR" altLang="en-US" sz="1200" dirty="0" smtClean="0"/>
+              <a:t>사용자가 안녕이라고 입력하면 컴퓨터는 칭찬인지 욕인지 </a:t>
+            </a:r>
+            <a:r>
+              <a:rPr lang="ko-KR" altLang="en-US" sz="1200" dirty="0" err="1" smtClean="0"/>
+              <a:t>이진구분만</a:t>
+            </a:r>
+            <a:r>
+              <a:rPr lang="ko-KR" altLang="en-US" sz="1200" dirty="0" smtClean="0"/>
+              <a:t> 가능하다</a:t>
+            </a:r>
+            <a:r>
+              <a:rPr lang="en-US" altLang="ko-KR" sz="1200" dirty="0" smtClean="0"/>
+              <a:t>.</a:t>
+            </a:r>
+          </a:p>
+          <a:p>
+            <a:pPr>
+              <a:lnSpc>
+                <a:spcPct val="150000"/>
+              </a:lnSpc>
+            </a:pPr>
+            <a:r>
+              <a:rPr lang="ko-KR" altLang="en-US" sz="1200" dirty="0" smtClean="0"/>
+              <a:t>안녕은 칭찬도 욕도 아닌 말이기 때문에 컴퓨터는 잘못된 답을 낸다</a:t>
+            </a:r>
+            <a:r>
+              <a:rPr lang="en-US" altLang="ko-KR" sz="1200" dirty="0" smtClean="0"/>
+              <a:t>.</a:t>
+            </a:r>
+          </a:p>
+          <a:p>
+            <a:pPr>
+              <a:lnSpc>
+                <a:spcPct val="150000"/>
+              </a:lnSpc>
+            </a:pPr>
+            <a:endParaRPr lang="en-US" altLang="ko-KR" sz="1200" dirty="0"/>
+          </a:p>
+          <a:p>
+            <a:pPr algn="ctr">
+              <a:lnSpc>
+                <a:spcPct val="150000"/>
+              </a:lnSpc>
+            </a:pPr>
+            <a:r>
+              <a:rPr lang="ko-KR" altLang="en-US" sz="1200" dirty="0">
                 <a:solidFill>
                   <a:srgbClr val="FF0000"/>
                 </a:solidFill>
               </a:rPr>
-              <a:t>칭찬도 욕도 아닌 말을 판단할 수 없다</a:t>
-            </a:r>
-            <a:endParaRPr lang="ko-KR" altLang="en-US" dirty="0">
+              <a:t>칭찬도 욕도 아닌 말을 판단할 수 </a:t>
+            </a:r>
+            <a:r>
+              <a:rPr lang="ko-KR" altLang="en-US" sz="1200" dirty="0" smtClean="0">
+                <a:solidFill>
+                  <a:srgbClr val="FF0000"/>
+                </a:solidFill>
+              </a:rPr>
+              <a:t>없다</a:t>
+            </a:r>
+            <a:endParaRPr lang="ko-KR" altLang="en-US" sz="1200" dirty="0">
               <a:solidFill>
                 <a:srgbClr val="FF0000"/>
               </a:solidFill>
             </a:endParaRPr>
+          </a:p>
+        </p:txBody>
+      </p:sp>
+      <p:sp>
+        <p:nvSpPr>
+          <p:cNvPr id="2" name="오른쪽 화살표 1"/>
+          <p:cNvSpPr/>
+          <p:nvPr/>
+        </p:nvSpPr>
+        <p:spPr>
+          <a:xfrm>
+            <a:off x="3779912" y="2223482"/>
+            <a:ext cx="1368152" cy="228295"/>
+          </a:xfrm>
+          <a:prstGeom prst="rightArrow">
+            <a:avLst/>
+          </a:prstGeom>
+          <a:noFill/>
+          <a:ln w="28575" cap="flat" cmpd="sng" algn="ctr">
+            <a:solidFill>
+              <a:srgbClr val="FF0000"/>
+            </a:solidFill>
+            <a:prstDash val="solid"/>
+            <a:round/>
+            <a:headEnd type="none" w="med" len="med"/>
+            <a:tailEnd type="none" w="med" len="med"/>
+          </a:ln>
+        </p:spPr>
+        <p:style>
+          <a:lnRef idx="0">
+            <a:scrgbClr r="0" g="0" b="0"/>
+          </a:lnRef>
+          <a:fillRef idx="0">
+            <a:scrgbClr r="0" g="0" b="0"/>
+          </a:fillRef>
+          <a:effectRef idx="0">
+            <a:scrgbClr r="0" g="0" b="0"/>
+          </a:effectRef>
+          <a:fontRef idx="minor">
+            <a:schemeClr val="accent2"/>
+          </a:fontRef>
+        </p:style>
+        <p:txBody>
+          <a:bodyPr rtlCol="0" anchor="ctr"/>
+          <a:lstStyle/>
+          <a:p>
+            <a:pPr algn="ctr"/>
+            <a:endParaRPr lang="ko-KR" altLang="en-US"/>
           </a:p>
         </p:txBody>
       </p:sp>
@@ -9719,286 +10625,6 @@
     <p:extLst>
       <p:ext uri="{BB962C8B-B14F-4D97-AF65-F5344CB8AC3E}">
         <p14:creationId xmlns:p14="http://schemas.microsoft.com/office/powerpoint/2010/main" val="770591142"/>
-      </p:ext>
-    </p:extLst>
-  </p:cSld>
-  <p:clrMapOvr>
-    <a:masterClrMapping/>
-  </p:clrMapOvr>
-  <p:timing>
-    <p:tnLst>
-      <p:par>
-        <p:cTn id="1" dur="indefinite" restart="never" nodeType="tmRoot"/>
-      </p:par>
-    </p:tnLst>
-  </p:timing>
-</p:sld>
-</file>
-
-<file path=ppt/slides/slide19.xml><?xml version="1.0" encoding="utf-8"?>
-<p:sld xmlns:a="http://schemas.openxmlformats.org/drawingml/2006/main" xmlns:r="http://schemas.openxmlformats.org/officeDocument/2006/relationships" xmlns:p="http://schemas.openxmlformats.org/presentationml/2006/main">
-  <p:cSld>
-    <p:spTree>
-      <p:nvGrpSpPr>
-        <p:cNvPr id="1" name=""/>
-        <p:cNvGrpSpPr/>
-        <p:nvPr/>
-      </p:nvGrpSpPr>
-      <p:grpSpPr>
-        <a:xfrm>
-          <a:off x="0" y="0"/>
-          <a:ext cx="0" cy="0"/>
-          <a:chOff x="0" y="0"/>
-          <a:chExt cx="0" cy="0"/>
-        </a:xfrm>
-      </p:grpSpPr>
-      <p:pic>
-        <p:nvPicPr>
-          <p:cNvPr id="3" name="그림 2"/>
-          <p:cNvPicPr>
-            <a:picLocks noChangeAspect="1"/>
-          </p:cNvPicPr>
-          <p:nvPr/>
-        </p:nvPicPr>
-        <p:blipFill rotWithShape="1">
-          <a:blip r:embed="rId2">
-            <a:extLst>
-              <a:ext uri="{28A0092B-C50C-407E-A947-70E740481C1C}">
-                <a14:useLocalDpi xmlns:a14="http://schemas.microsoft.com/office/drawing/2010/main" val="0"/>
-              </a:ext>
-            </a:extLst>
-          </a:blip>
-          <a:srcRect l="14174" t="9754" r="16526" b="2438"/>
-          <a:stretch/>
-        </p:blipFill>
-        <p:spPr>
-          <a:xfrm>
-            <a:off x="3199110" y="2211710"/>
-            <a:ext cx="3168352" cy="2592710"/>
-          </a:xfrm>
-          <a:prstGeom prst="rect">
-            <a:avLst/>
-          </a:prstGeom>
-        </p:spPr>
-      </p:pic>
-      <p:pic>
-        <p:nvPicPr>
-          <p:cNvPr id="2" name="그림 1"/>
-          <p:cNvPicPr>
-            <a:picLocks noChangeAspect="1"/>
-          </p:cNvPicPr>
-          <p:nvPr/>
-        </p:nvPicPr>
-        <p:blipFill rotWithShape="1">
-          <a:blip r:embed="rId3">
-            <a:extLst>
-              <a:ext uri="{28A0092B-C50C-407E-A947-70E740481C1C}">
-                <a14:useLocalDpi xmlns:a14="http://schemas.microsoft.com/office/drawing/2010/main" val="0"/>
-              </a:ext>
-            </a:extLst>
-          </a:blip>
-          <a:srcRect l="13268" t="78000" r="13266" b="16400"/>
-          <a:stretch/>
-        </p:blipFill>
-        <p:spPr>
-          <a:xfrm>
-            <a:off x="3150158" y="1491630"/>
-            <a:ext cx="3240360" cy="360040"/>
-          </a:xfrm>
-          <a:prstGeom prst="rect">
-            <a:avLst/>
-          </a:prstGeom>
-        </p:spPr>
-      </p:pic>
-      <p:sp>
-        <p:nvSpPr>
-          <p:cNvPr id="5" name="직사각형 4"/>
-          <p:cNvSpPr/>
-          <p:nvPr/>
-        </p:nvSpPr>
-        <p:spPr>
-          <a:xfrm>
-            <a:off x="-6772" y="-46292"/>
-            <a:ext cx="6252234" cy="954107"/>
-          </a:xfrm>
-          <a:prstGeom prst="rect">
-            <a:avLst/>
-          </a:prstGeom>
-          <a:noFill/>
-        </p:spPr>
-        <p:txBody>
-          <a:bodyPr wrap="square" lIns="91440" tIns="45720" rIns="91440" bIns="45720">
-            <a:spAutoFit/>
-          </a:bodyPr>
-          <a:lstStyle/>
-          <a:p>
-            <a:pPr algn="ctr">
-              <a:lnSpc>
-                <a:spcPct val="200000"/>
-              </a:lnSpc>
-            </a:pPr>
-            <a:r>
-              <a:rPr lang="ko-KR" altLang="en-US" sz="2800" b="1" dirty="0" smtClean="0">
-                <a:ln w="12700">
-                  <a:solidFill>
-                    <a:schemeClr val="tx2">
-                      <a:lumMod val="75000"/>
-                    </a:schemeClr>
-                  </a:solidFill>
-                  <a:prstDash val="solid"/>
-                </a:ln>
-                <a:pattFill prst="dkUpDiag">
-                  <a:fgClr>
-                    <a:schemeClr val="tx2"/>
-                  </a:fgClr>
-                  <a:bgClr>
-                    <a:schemeClr val="tx2">
-                      <a:lumMod val="20000"/>
-                      <a:lumOff val="80000"/>
-                    </a:schemeClr>
-                  </a:bgClr>
-                </a:pattFill>
-                <a:effectLst>
-                  <a:outerShdw dist="38100" dir="2640000" algn="bl" rotWithShape="0">
-                    <a:schemeClr val="tx2">
-                      <a:lumMod val="75000"/>
-                    </a:schemeClr>
-                  </a:outerShdw>
-                </a:effectLst>
-              </a:rPr>
-              <a:t>예제 고치기 </a:t>
-            </a:r>
-            <a:r>
-              <a:rPr lang="en-US" altLang="ko-KR" sz="2800" b="1" dirty="0" smtClean="0">
-                <a:ln w="12700">
-                  <a:solidFill>
-                    <a:schemeClr val="tx2">
-                      <a:lumMod val="75000"/>
-                    </a:schemeClr>
-                  </a:solidFill>
-                  <a:prstDash val="solid"/>
-                </a:ln>
-                <a:pattFill prst="dkUpDiag">
-                  <a:fgClr>
-                    <a:schemeClr val="tx2"/>
-                  </a:fgClr>
-                  <a:bgClr>
-                    <a:schemeClr val="tx2">
-                      <a:lumMod val="20000"/>
-                      <a:lumOff val="80000"/>
-                    </a:schemeClr>
-                  </a:bgClr>
-                </a:pattFill>
-                <a:effectLst>
-                  <a:outerShdw dist="38100" dir="2640000" algn="bl" rotWithShape="0">
-                    <a:schemeClr val="tx2">
-                      <a:lumMod val="75000"/>
-                    </a:schemeClr>
-                  </a:outerShdw>
-                </a:effectLst>
-              </a:rPr>
-              <a:t>– </a:t>
-            </a:r>
-            <a:r>
-              <a:rPr lang="ko-KR" altLang="en-US" sz="2800" b="1" dirty="0" smtClean="0">
-                <a:ln w="12700">
-                  <a:solidFill>
-                    <a:schemeClr val="tx2">
-                      <a:lumMod val="75000"/>
-                    </a:schemeClr>
-                  </a:solidFill>
-                  <a:prstDash val="solid"/>
-                </a:ln>
-                <a:pattFill prst="dkUpDiag">
-                  <a:fgClr>
-                    <a:schemeClr val="tx2"/>
-                  </a:fgClr>
-                  <a:bgClr>
-                    <a:schemeClr val="tx2">
-                      <a:lumMod val="20000"/>
-                      <a:lumOff val="80000"/>
-                    </a:schemeClr>
-                  </a:bgClr>
-                </a:pattFill>
-                <a:effectLst>
-                  <a:outerShdw dist="38100" dir="2640000" algn="bl" rotWithShape="0">
-                    <a:schemeClr val="tx2">
-                      <a:lumMod val="75000"/>
-                    </a:schemeClr>
-                  </a:outerShdw>
-                </a:effectLst>
-              </a:rPr>
-              <a:t>칭찬도 욕도 아닌 말</a:t>
-            </a:r>
-            <a:endParaRPr lang="en-US" altLang="ko-KR" sz="2800" b="1" dirty="0">
-              <a:ln w="12700">
-                <a:solidFill>
-                  <a:schemeClr val="tx2">
-                    <a:lumMod val="75000"/>
-                  </a:schemeClr>
-                </a:solidFill>
-                <a:prstDash val="solid"/>
-              </a:ln>
-              <a:pattFill prst="dkUpDiag">
-                <a:fgClr>
-                  <a:schemeClr val="tx2"/>
-                </a:fgClr>
-                <a:bgClr>
-                  <a:schemeClr val="tx2">
-                    <a:lumMod val="20000"/>
-                    <a:lumOff val="80000"/>
-                  </a:schemeClr>
-                </a:bgClr>
-              </a:pattFill>
-              <a:effectLst>
-                <a:outerShdw dist="38100" dir="2640000" algn="bl" rotWithShape="0">
-                  <a:schemeClr val="tx2">
-                    <a:lumMod val="75000"/>
-                  </a:schemeClr>
-                </a:outerShdw>
-              </a:effectLst>
-            </a:endParaRPr>
-          </a:p>
-        </p:txBody>
-      </p:sp>
-      <p:sp>
-        <p:nvSpPr>
-          <p:cNvPr id="6" name="TextBox 5"/>
-          <p:cNvSpPr txBox="1"/>
-          <p:nvPr/>
-        </p:nvSpPr>
-        <p:spPr>
-          <a:xfrm>
-            <a:off x="2731058" y="4774168"/>
-            <a:ext cx="4104456" cy="369332"/>
-          </a:xfrm>
-          <a:prstGeom prst="rect">
-            <a:avLst/>
-          </a:prstGeom>
-          <a:noFill/>
-        </p:spPr>
-        <p:txBody>
-          <a:bodyPr wrap="square" rtlCol="0">
-            <a:spAutoFit/>
-          </a:bodyPr>
-          <a:lstStyle/>
-          <a:p>
-            <a:r>
-              <a:rPr lang="ko-KR" altLang="en-US" dirty="0" smtClean="0"/>
-              <a:t>칭찬도 욕도 아닌 말을 학습 시킨다</a:t>
-            </a:r>
-            <a:r>
-              <a:rPr lang="en-US" altLang="ko-KR" dirty="0" smtClean="0"/>
-              <a:t>.</a:t>
-            </a:r>
-            <a:endParaRPr lang="ko-KR" altLang="en-US" dirty="0"/>
-          </a:p>
-        </p:txBody>
-      </p:sp>
-    </p:spTree>
-    <p:extLst>
-      <p:ext uri="{BB962C8B-B14F-4D97-AF65-F5344CB8AC3E}">
-        <p14:creationId xmlns:p14="http://schemas.microsoft.com/office/powerpoint/2010/main" val="3931344345"/>
       </p:ext>
     </p:extLst>
   </p:cSld>
@@ -10376,117 +11002,225 @@
           <a:chExt cx="0" cy="0"/>
         </a:xfrm>
       </p:grpSpPr>
-      <p:grpSp>
-        <p:nvGrpSpPr>
-          <p:cNvPr id="15" name="그룹 14"/>
-          <p:cNvGrpSpPr/>
+      <p:pic>
+        <p:nvPicPr>
+          <p:cNvPr id="3" name="그림 2"/>
+          <p:cNvPicPr>
+            <a:picLocks noChangeAspect="1"/>
+          </p:cNvPicPr>
           <p:nvPr/>
-        </p:nvGrpSpPr>
-        <p:grpSpPr>
+        </p:nvPicPr>
+        <p:blipFill rotWithShape="1">
+          <a:blip r:embed="rId2">
+            <a:extLst>
+              <a:ext uri="{28A0092B-C50C-407E-A947-70E740481C1C}">
+                <a14:useLocalDpi xmlns:a14="http://schemas.microsoft.com/office/drawing/2010/main" val="0"/>
+              </a:ext>
+            </a:extLst>
+          </a:blip>
+          <a:srcRect l="14174" t="9754" r="16526" b="2438"/>
+          <a:stretch/>
+        </p:blipFill>
+        <p:spPr>
           <a:xfrm>
-            <a:off x="251520" y="1337437"/>
-            <a:ext cx="3097973" cy="3456384"/>
-            <a:chOff x="683568" y="1203598"/>
-            <a:chExt cx="2880320" cy="3672408"/>
+            <a:off x="791580" y="1909537"/>
+            <a:ext cx="3168352" cy="2592710"/>
           </a:xfrm>
-        </p:grpSpPr>
-        <p:pic>
-          <p:nvPicPr>
-            <p:cNvPr id="17" name="그림 16"/>
-            <p:cNvPicPr>
-              <a:picLocks noChangeAspect="1"/>
-            </p:cNvPicPr>
-            <p:nvPr/>
-          </p:nvPicPr>
-          <p:blipFill>
-            <a:blip r:embed="rId2">
-              <a:extLst>
-                <a:ext uri="{28A0092B-C50C-407E-A947-70E740481C1C}">
-                  <a14:useLocalDpi xmlns:a14="http://schemas.microsoft.com/office/drawing/2010/main" val="0"/>
-                </a:ext>
-              </a:extLst>
-            </a:blip>
-            <a:stretch>
-              <a:fillRect/>
-            </a:stretch>
-          </p:blipFill>
-          <p:spPr>
-            <a:xfrm>
-              <a:off x="683568" y="1995686"/>
-              <a:ext cx="2880320" cy="2880320"/>
-            </a:xfrm>
-            <a:prstGeom prst="rect">
-              <a:avLst/>
-            </a:prstGeom>
-          </p:spPr>
-        </p:pic>
-        <p:sp>
-          <p:nvSpPr>
-            <p:cNvPr id="18" name="타원형 설명선 17"/>
-            <p:cNvSpPr/>
-            <p:nvPr/>
-          </p:nvSpPr>
-          <p:spPr>
-            <a:xfrm>
-              <a:off x="971600" y="1203598"/>
-              <a:ext cx="2592288" cy="792088"/>
-            </a:xfrm>
-            <a:prstGeom prst="wedgeEllipseCallout">
-              <a:avLst>
-                <a:gd name="adj1" fmla="val -4553"/>
-                <a:gd name="adj2" fmla="val 70112"/>
-              </a:avLst>
-            </a:prstGeom>
-            <a:noFill/>
-            <a:ln w="28575" cap="flat" cmpd="sng" algn="ctr">
-              <a:solidFill>
-                <a:schemeClr val="tx1"/>
-              </a:solidFill>
-              <a:prstDash val="solid"/>
-              <a:round/>
-              <a:headEnd type="none" w="med" len="med"/>
-              <a:tailEnd type="none" w="med" len="med"/>
-            </a:ln>
-          </p:spPr>
-          <p:style>
-            <a:lnRef idx="0">
-              <a:scrgbClr r="0" g="0" b="0"/>
-            </a:lnRef>
-            <a:fillRef idx="0">
-              <a:scrgbClr r="0" g="0" b="0"/>
-            </a:fillRef>
-            <a:effectRef idx="0">
-              <a:scrgbClr r="0" g="0" b="0"/>
-            </a:effectRef>
-            <a:fontRef idx="minor">
-              <a:schemeClr val="accent2"/>
-            </a:fontRef>
-          </p:style>
-          <p:txBody>
-            <a:bodyPr rot="0" spcFirstLastPara="0" vertOverflow="overflow" horzOverflow="overflow" vert="horz" wrap="square" lIns="91440" tIns="45720" rIns="91440" bIns="45720" numCol="1" spcCol="0" rtlCol="0" fromWordArt="0" anchor="ctr" anchorCtr="0" forceAA="0" compatLnSpc="1">
-              <a:prstTxWarp prst="textNoShape">
-                <a:avLst/>
-              </a:prstTxWarp>
-              <a:noAutofit/>
-            </a:bodyPr>
-            <a:lstStyle/>
-            <a:p>
-              <a:pPr algn="ctr"/>
-              <a:endParaRPr lang="ko-KR" altLang="en-US"/>
-            </a:p>
-          </p:txBody>
-        </p:sp>
-      </p:grpSp>
+          <a:prstGeom prst="rect">
+            <a:avLst/>
+          </a:prstGeom>
+        </p:spPr>
+      </p:pic>
+      <p:pic>
+        <p:nvPicPr>
+          <p:cNvPr id="2" name="그림 1"/>
+          <p:cNvPicPr>
+            <a:picLocks noChangeAspect="1"/>
+          </p:cNvPicPr>
+          <p:nvPr/>
+        </p:nvPicPr>
+        <p:blipFill rotWithShape="1">
+          <a:blip r:embed="rId3">
+            <a:extLst>
+              <a:ext uri="{28A0092B-C50C-407E-A947-70E740481C1C}">
+                <a14:useLocalDpi xmlns:a14="http://schemas.microsoft.com/office/drawing/2010/main" val="0"/>
+              </a:ext>
+            </a:extLst>
+          </a:blip>
+          <a:srcRect l="13268" t="78000" r="13266" b="16400"/>
+          <a:stretch/>
+        </p:blipFill>
+        <p:spPr>
+          <a:xfrm>
+            <a:off x="755576" y="1364613"/>
+            <a:ext cx="3240360" cy="360040"/>
+          </a:xfrm>
+          <a:prstGeom prst="rect">
+            <a:avLst/>
+          </a:prstGeom>
+        </p:spPr>
+      </p:pic>
       <p:sp>
         <p:nvSpPr>
-          <p:cNvPr id="19" name="TextBox 18"/>
+          <p:cNvPr id="5" name="직사각형 4"/>
+          <p:cNvSpPr/>
+          <p:nvPr/>
+        </p:nvSpPr>
+        <p:spPr>
+          <a:xfrm>
+            <a:off x="-6772" y="-46292"/>
+            <a:ext cx="6252234" cy="954107"/>
+          </a:xfrm>
+          <a:prstGeom prst="rect">
+            <a:avLst/>
+          </a:prstGeom>
+          <a:noFill/>
+        </p:spPr>
+        <p:txBody>
+          <a:bodyPr wrap="square" lIns="91440" tIns="45720" rIns="91440" bIns="45720">
+            <a:spAutoFit/>
+          </a:bodyPr>
+          <a:lstStyle/>
+          <a:p>
+            <a:pPr algn="ctr">
+              <a:lnSpc>
+                <a:spcPct val="200000"/>
+              </a:lnSpc>
+            </a:pPr>
+            <a:r>
+              <a:rPr lang="ko-KR" altLang="en-US" sz="2800" b="1" dirty="0" smtClean="0">
+                <a:ln w="12700">
+                  <a:solidFill>
+                    <a:schemeClr val="tx2">
+                      <a:lumMod val="75000"/>
+                    </a:schemeClr>
+                  </a:solidFill>
+                  <a:prstDash val="solid"/>
+                </a:ln>
+                <a:pattFill prst="dkUpDiag">
+                  <a:fgClr>
+                    <a:schemeClr val="tx2"/>
+                  </a:fgClr>
+                  <a:bgClr>
+                    <a:schemeClr val="tx2">
+                      <a:lumMod val="20000"/>
+                      <a:lumOff val="80000"/>
+                    </a:schemeClr>
+                  </a:bgClr>
+                </a:pattFill>
+                <a:effectLst>
+                  <a:outerShdw dist="38100" dir="2640000" algn="bl" rotWithShape="0">
+                    <a:schemeClr val="tx2">
+                      <a:lumMod val="75000"/>
+                    </a:schemeClr>
+                  </a:outerShdw>
+                </a:effectLst>
+              </a:rPr>
+              <a:t>예제 고치기 </a:t>
+            </a:r>
+            <a:r>
+              <a:rPr lang="en-US" altLang="ko-KR" sz="2800" b="1" dirty="0" smtClean="0">
+                <a:ln w="12700">
+                  <a:solidFill>
+                    <a:schemeClr val="tx2">
+                      <a:lumMod val="75000"/>
+                    </a:schemeClr>
+                  </a:solidFill>
+                  <a:prstDash val="solid"/>
+                </a:ln>
+                <a:pattFill prst="dkUpDiag">
+                  <a:fgClr>
+                    <a:schemeClr val="tx2"/>
+                  </a:fgClr>
+                  <a:bgClr>
+                    <a:schemeClr val="tx2">
+                      <a:lumMod val="20000"/>
+                      <a:lumOff val="80000"/>
+                    </a:schemeClr>
+                  </a:bgClr>
+                </a:pattFill>
+                <a:effectLst>
+                  <a:outerShdw dist="38100" dir="2640000" algn="bl" rotWithShape="0">
+                    <a:schemeClr val="tx2">
+                      <a:lumMod val="75000"/>
+                    </a:schemeClr>
+                  </a:outerShdw>
+                </a:effectLst>
+              </a:rPr>
+              <a:t>– </a:t>
+            </a:r>
+            <a:r>
+              <a:rPr lang="ko-KR" altLang="en-US" sz="2800" b="1" dirty="0" smtClean="0">
+                <a:ln w="12700">
+                  <a:solidFill>
+                    <a:schemeClr val="tx2">
+                      <a:lumMod val="75000"/>
+                    </a:schemeClr>
+                  </a:solidFill>
+                  <a:prstDash val="solid"/>
+                </a:ln>
+                <a:pattFill prst="dkUpDiag">
+                  <a:fgClr>
+                    <a:schemeClr val="tx2"/>
+                  </a:fgClr>
+                  <a:bgClr>
+                    <a:schemeClr val="tx2">
+                      <a:lumMod val="20000"/>
+                      <a:lumOff val="80000"/>
+                    </a:schemeClr>
+                  </a:bgClr>
+                </a:pattFill>
+                <a:effectLst>
+                  <a:outerShdw dist="38100" dir="2640000" algn="bl" rotWithShape="0">
+                    <a:schemeClr val="tx2">
+                      <a:lumMod val="75000"/>
+                    </a:schemeClr>
+                  </a:outerShdw>
+                </a:effectLst>
+              </a:rPr>
+              <a:t>칭찬도 욕도 아닌 말</a:t>
+            </a:r>
+            <a:endParaRPr lang="en-US" altLang="ko-KR" sz="2800" b="1" dirty="0">
+              <a:ln w="12700">
+                <a:solidFill>
+                  <a:schemeClr val="tx2">
+                    <a:lumMod val="75000"/>
+                  </a:schemeClr>
+                </a:solidFill>
+                <a:prstDash val="solid"/>
+              </a:ln>
+              <a:pattFill prst="dkUpDiag">
+                <a:fgClr>
+                  <a:schemeClr val="tx2"/>
+                </a:fgClr>
+                <a:bgClr>
+                  <a:schemeClr val="tx2">
+                    <a:lumMod val="20000"/>
+                    <a:lumOff val="80000"/>
+                  </a:schemeClr>
+                </a:bgClr>
+              </a:pattFill>
+              <a:effectLst>
+                <a:outerShdw dist="38100" dir="2640000" algn="bl" rotWithShape="0">
+                  <a:schemeClr val="tx2">
+                    <a:lumMod val="75000"/>
+                  </a:schemeClr>
+                </a:outerShdw>
+              </a:effectLst>
+            </a:endParaRPr>
+          </a:p>
+        </p:txBody>
+      </p:sp>
+      <p:sp>
+        <p:nvSpPr>
+          <p:cNvPr id="6" name="TextBox 5"/>
           <p:cNvSpPr txBox="1"/>
           <p:nvPr/>
         </p:nvSpPr>
         <p:spPr>
           <a:xfrm>
-            <a:off x="1475656" y="1525519"/>
-            <a:ext cx="864096" cy="369332"/>
+            <a:off x="4644008" y="1571222"/>
+            <a:ext cx="4104456" cy="2108269"/>
           </a:xfrm>
           <a:prstGeom prst="rect">
             <a:avLst/>
@@ -10501,17 +11235,286 @@
           <a:p>
             <a:pPr algn="ctr"/>
             <a:r>
-              <a:rPr lang="ko-KR" altLang="en-US" dirty="0" smtClean="0"/>
-              <a:t>안녕</a:t>
-            </a:r>
-            <a:r>
-              <a:rPr lang="en-US" altLang="ko-KR" dirty="0" smtClean="0"/>
-              <a:t>!</a:t>
-            </a:r>
-            <a:endParaRPr lang="ko-KR" altLang="en-US" dirty="0"/>
+              <a:rPr lang="ko-KR" altLang="en-US" sz="1100" dirty="0" smtClean="0"/>
+              <a:t>해결방법 </a:t>
+            </a:r>
+            <a:r>
+              <a:rPr lang="en-US" altLang="ko-KR" sz="1100" dirty="0" smtClean="0"/>
+              <a:t>: </a:t>
+            </a:r>
+            <a:r>
+              <a:rPr lang="ko-KR" altLang="en-US" sz="1100" dirty="0" smtClean="0"/>
+              <a:t>칭찬</a:t>
+            </a:r>
+            <a:r>
+              <a:rPr lang="en-US" altLang="ko-KR" sz="1100" dirty="0" smtClean="0"/>
+              <a:t>, </a:t>
+            </a:r>
+            <a:r>
+              <a:rPr lang="ko-KR" altLang="en-US" sz="1100" dirty="0" smtClean="0"/>
+              <a:t>욕 둘다 아닌 말이 있다는 것을 학습시킨다</a:t>
+            </a:r>
+            <a:r>
+              <a:rPr lang="en-US" altLang="ko-KR" sz="1100" dirty="0" smtClean="0"/>
+              <a:t>.</a:t>
+            </a:r>
+          </a:p>
+          <a:p>
+            <a:pPr>
+              <a:lnSpc>
+                <a:spcPct val="300000"/>
+              </a:lnSpc>
+            </a:pPr>
+            <a:endParaRPr lang="en-US" altLang="ko-KR" sz="1000" dirty="0"/>
+          </a:p>
+          <a:p>
+            <a:pPr>
+              <a:lnSpc>
+                <a:spcPct val="300000"/>
+              </a:lnSpc>
+            </a:pPr>
+            <a:r>
+              <a:rPr lang="en-US" altLang="ko-KR" sz="1000" dirty="0" smtClean="0"/>
+              <a:t>1. Normal </a:t>
+            </a:r>
+            <a:r>
+              <a:rPr lang="ko-KR" altLang="en-US" sz="1000" dirty="0" smtClean="0"/>
+              <a:t>이라는 레이블을 추가한다</a:t>
+            </a:r>
+            <a:r>
+              <a:rPr lang="en-US" altLang="ko-KR" sz="1000" dirty="0" smtClean="0"/>
+              <a:t>.</a:t>
+            </a:r>
+          </a:p>
+          <a:p>
+            <a:pPr>
+              <a:lnSpc>
+                <a:spcPct val="300000"/>
+              </a:lnSpc>
+            </a:pPr>
+            <a:r>
+              <a:rPr lang="en-US" altLang="ko-KR" sz="1000" dirty="0" smtClean="0"/>
+              <a:t>2. </a:t>
+            </a:r>
+            <a:r>
+              <a:rPr lang="ko-KR" altLang="en-US" sz="1000" dirty="0" smtClean="0"/>
+              <a:t>데이터를 추가한다</a:t>
+            </a:r>
+            <a:r>
+              <a:rPr lang="en-US" altLang="ko-KR" sz="1000" dirty="0" smtClean="0"/>
+              <a:t>.</a:t>
+            </a:r>
+          </a:p>
+          <a:p>
+            <a:pPr>
+              <a:lnSpc>
+                <a:spcPct val="300000"/>
+              </a:lnSpc>
+            </a:pPr>
+            <a:r>
+              <a:rPr lang="en-US" altLang="ko-KR" sz="1000" dirty="0" smtClean="0"/>
+              <a:t>3. </a:t>
+            </a:r>
+            <a:r>
+              <a:rPr lang="ko-KR" altLang="en-US" sz="1000" dirty="0" smtClean="0"/>
+              <a:t>컴퓨터를 다시 학습시킨다</a:t>
+            </a:r>
+            <a:r>
+              <a:rPr lang="en-US" altLang="ko-KR" sz="1000" dirty="0" smtClean="0"/>
+              <a:t>.</a:t>
+            </a:r>
+            <a:endParaRPr lang="ko-KR" altLang="en-US" sz="1000" dirty="0"/>
           </a:p>
         </p:txBody>
       </p:sp>
+    </p:spTree>
+    <p:extLst>
+      <p:ext uri="{BB962C8B-B14F-4D97-AF65-F5344CB8AC3E}">
+        <p14:creationId xmlns:p14="http://schemas.microsoft.com/office/powerpoint/2010/main" val="3931344345"/>
+      </p:ext>
+    </p:extLst>
+  </p:cSld>
+  <p:clrMapOvr>
+    <a:masterClrMapping/>
+  </p:clrMapOvr>
+  <p:timing>
+    <p:tnLst>
+      <p:par>
+        <p:cTn id="1" dur="indefinite" restart="never" nodeType="tmRoot"/>
+      </p:par>
+    </p:tnLst>
+  </p:timing>
+</p:sld>
+</file>
+
+<file path=ppt/slides/slide21.xml><?xml version="1.0" encoding="utf-8"?>
+<p:sld xmlns:a="http://schemas.openxmlformats.org/drawingml/2006/main" xmlns:r="http://schemas.openxmlformats.org/officeDocument/2006/relationships" xmlns:p="http://schemas.openxmlformats.org/presentationml/2006/main">
+  <p:cSld>
+    <p:spTree>
+      <p:nvGrpSpPr>
+        <p:cNvPr id="1" name=""/>
+        <p:cNvGrpSpPr/>
+        <p:nvPr/>
+      </p:nvGrpSpPr>
+      <p:grpSpPr>
+        <a:xfrm>
+          <a:off x="0" y="0"/>
+          <a:ext cx="0" cy="0"/>
+          <a:chOff x="0" y="0"/>
+          <a:chExt cx="0" cy="0"/>
+        </a:xfrm>
+      </p:grpSpPr>
+      <p:grpSp>
+        <p:nvGrpSpPr>
+          <p:cNvPr id="3" name="그룹 2"/>
+          <p:cNvGrpSpPr/>
+          <p:nvPr/>
+        </p:nvGrpSpPr>
+        <p:grpSpPr>
+          <a:xfrm>
+            <a:off x="434305" y="1112799"/>
+            <a:ext cx="1977455" cy="1818991"/>
+            <a:chOff x="251520" y="1337437"/>
+            <a:chExt cx="3097973" cy="3456384"/>
+          </a:xfrm>
+        </p:grpSpPr>
+        <p:grpSp>
+          <p:nvGrpSpPr>
+            <p:cNvPr id="15" name="그룹 14"/>
+            <p:cNvGrpSpPr/>
+            <p:nvPr/>
+          </p:nvGrpSpPr>
+          <p:grpSpPr>
+            <a:xfrm>
+              <a:off x="251520" y="1337437"/>
+              <a:ext cx="3097973" cy="3456384"/>
+              <a:chOff x="683568" y="1203598"/>
+              <a:chExt cx="2880320" cy="3672408"/>
+            </a:xfrm>
+          </p:grpSpPr>
+          <p:pic>
+            <p:nvPicPr>
+              <p:cNvPr id="17" name="그림 16"/>
+              <p:cNvPicPr>
+                <a:picLocks noChangeAspect="1"/>
+              </p:cNvPicPr>
+              <p:nvPr/>
+            </p:nvPicPr>
+            <p:blipFill>
+              <a:blip r:embed="rId2">
+                <a:extLst>
+                  <a:ext uri="{28A0092B-C50C-407E-A947-70E740481C1C}">
+                    <a14:useLocalDpi xmlns:a14="http://schemas.microsoft.com/office/drawing/2010/main" val="0"/>
+                  </a:ext>
+                </a:extLst>
+              </a:blip>
+              <a:stretch>
+                <a:fillRect/>
+              </a:stretch>
+            </p:blipFill>
+            <p:spPr>
+              <a:xfrm>
+                <a:off x="683568" y="1995686"/>
+                <a:ext cx="2880320" cy="2880320"/>
+              </a:xfrm>
+              <a:prstGeom prst="rect">
+                <a:avLst/>
+              </a:prstGeom>
+            </p:spPr>
+          </p:pic>
+          <p:sp>
+            <p:nvSpPr>
+              <p:cNvPr id="18" name="타원형 설명선 17"/>
+              <p:cNvSpPr/>
+              <p:nvPr/>
+            </p:nvSpPr>
+            <p:spPr>
+              <a:xfrm>
+                <a:off x="971600" y="1203598"/>
+                <a:ext cx="2592288" cy="792088"/>
+              </a:xfrm>
+              <a:prstGeom prst="wedgeEllipseCallout">
+                <a:avLst>
+                  <a:gd name="adj1" fmla="val -4553"/>
+                  <a:gd name="adj2" fmla="val 70112"/>
+                </a:avLst>
+              </a:prstGeom>
+              <a:noFill/>
+              <a:ln w="28575" cap="flat" cmpd="sng" algn="ctr">
+                <a:solidFill>
+                  <a:schemeClr val="tx1"/>
+                </a:solidFill>
+                <a:prstDash val="solid"/>
+                <a:round/>
+                <a:headEnd type="none" w="med" len="med"/>
+                <a:tailEnd type="none" w="med" len="med"/>
+              </a:ln>
+            </p:spPr>
+            <p:style>
+              <a:lnRef idx="0">
+                <a:scrgbClr r="0" g="0" b="0"/>
+              </a:lnRef>
+              <a:fillRef idx="0">
+                <a:scrgbClr r="0" g="0" b="0"/>
+              </a:fillRef>
+              <a:effectRef idx="0">
+                <a:scrgbClr r="0" g="0" b="0"/>
+              </a:effectRef>
+              <a:fontRef idx="minor">
+                <a:schemeClr val="accent2"/>
+              </a:fontRef>
+            </p:style>
+            <p:txBody>
+              <a:bodyPr rot="0" spcFirstLastPara="0" vertOverflow="overflow" horzOverflow="overflow" vert="horz" wrap="square" lIns="91440" tIns="45720" rIns="91440" bIns="45720" numCol="1" spcCol="0" rtlCol="0" fromWordArt="0" anchor="ctr" anchorCtr="0" forceAA="0" compatLnSpc="1">
+                <a:prstTxWarp prst="textNoShape">
+                  <a:avLst/>
+                </a:prstTxWarp>
+                <a:noAutofit/>
+              </a:bodyPr>
+              <a:lstStyle/>
+              <a:p>
+                <a:pPr algn="ctr"/>
+                <a:endParaRPr lang="ko-KR" altLang="en-US"/>
+              </a:p>
+            </p:txBody>
+          </p:sp>
+        </p:grpSp>
+        <p:sp>
+          <p:nvSpPr>
+            <p:cNvPr id="19" name="TextBox 18"/>
+            <p:cNvSpPr txBox="1"/>
+            <p:nvPr/>
+          </p:nvSpPr>
+          <p:spPr>
+            <a:xfrm>
+              <a:off x="1475655" y="1525519"/>
+              <a:ext cx="864096" cy="467861"/>
+            </a:xfrm>
+            <a:prstGeom prst="rect">
+              <a:avLst/>
+            </a:prstGeom>
+            <a:noFill/>
+          </p:spPr>
+          <p:txBody>
+            <a:bodyPr wrap="square" rtlCol="0">
+              <a:spAutoFit/>
+            </a:bodyPr>
+            <a:lstStyle/>
+            <a:p>
+              <a:pPr algn="ctr"/>
+              <a:r>
+                <a:rPr lang="ko-KR" altLang="en-US" sz="1000" dirty="0" smtClean="0"/>
+                <a:t>안녕</a:t>
+              </a:r>
+              <a:r>
+                <a:rPr lang="en-US" altLang="ko-KR" sz="1000" dirty="0" smtClean="0"/>
+                <a:t>!</a:t>
+              </a:r>
+              <a:endParaRPr lang="ko-KR" altLang="en-US" sz="1000" dirty="0"/>
+            </a:p>
+          </p:txBody>
+        </p:sp>
+      </p:grpSp>
       <p:pic>
         <p:nvPicPr>
           <p:cNvPr id="2" name="그림 1"/>
@@ -10533,8 +11536,8 @@
         </p:blipFill>
         <p:spPr>
           <a:xfrm>
-            <a:off x="4594428" y="1255722"/>
-            <a:ext cx="3455340" cy="1296144"/>
+            <a:off x="5868144" y="1544191"/>
+            <a:ext cx="2619110" cy="982463"/>
           </a:xfrm>
           <a:prstGeom prst="rect">
             <a:avLst/>
@@ -10549,8 +11552,8 @@
         </p:nvGrpSpPr>
         <p:grpSpPr>
           <a:xfrm>
-            <a:off x="5093239" y="2609058"/>
-            <a:ext cx="2457717" cy="2107918"/>
+            <a:off x="3454822" y="1379031"/>
+            <a:ext cx="1757082" cy="1371162"/>
             <a:chOff x="1259632" y="2499742"/>
             <a:chExt cx="2376264" cy="2160240"/>
           </a:xfrm>
@@ -10950,8 +11953,8 @@
         </p:nvSpPr>
         <p:spPr>
           <a:xfrm>
-            <a:off x="1983292" y="4774168"/>
-            <a:ext cx="5369334" cy="369332"/>
+            <a:off x="539552" y="3096720"/>
+            <a:ext cx="8136904" cy="1754326"/>
           </a:xfrm>
           <a:prstGeom prst="rect">
             <a:avLst/>
@@ -10966,13 +11969,159 @@
           <a:p>
             <a:r>
               <a:rPr lang="ko-KR" altLang="en-US" dirty="0" smtClean="0"/>
-              <a:t>칭찬도 욕도 아닌 말을 했을 때 무표정을 유지한다</a:t>
+              <a:t>칭찬도 욕도 아닌 말을 했을 때 무표정을 </a:t>
+            </a:r>
+            <a:r>
+              <a:rPr lang="ko-KR" altLang="en-US" dirty="0" smtClean="0"/>
+              <a:t>유지하는 기능을 추가한다</a:t>
             </a:r>
             <a:r>
               <a:rPr lang="en-US" altLang="ko-KR" dirty="0" smtClean="0"/>
               <a:t>.</a:t>
             </a:r>
-            <a:endParaRPr lang="ko-KR" altLang="en-US" dirty="0"/>
+          </a:p>
+          <a:p>
+            <a:endParaRPr lang="en-US" altLang="ko-KR" dirty="0"/>
+          </a:p>
+          <a:p>
+            <a:pPr>
+              <a:lnSpc>
+                <a:spcPct val="150000"/>
+              </a:lnSpc>
+            </a:pPr>
+            <a:r>
+              <a:rPr lang="en-US" altLang="ko-KR" sz="1200" dirty="0" smtClean="0"/>
+              <a:t>1. </a:t>
+            </a:r>
+            <a:r>
+              <a:rPr lang="ko-KR" altLang="en-US" sz="1200" dirty="0" err="1" smtClean="0"/>
+              <a:t>조건블록을</a:t>
+            </a:r>
+            <a:r>
+              <a:rPr lang="ko-KR" altLang="en-US" sz="1200" dirty="0" smtClean="0"/>
+              <a:t> 이용하여 대답을 인식하여 평범한 말인지 판별</a:t>
+            </a:r>
+            <a:endParaRPr lang="en-US" altLang="ko-KR" sz="1200" dirty="0" smtClean="0"/>
+          </a:p>
+          <a:p>
+            <a:pPr>
+              <a:lnSpc>
+                <a:spcPct val="150000"/>
+              </a:lnSpc>
+            </a:pPr>
+            <a:r>
+              <a:rPr lang="en-US" altLang="ko-KR" sz="1200" dirty="0" smtClean="0"/>
+              <a:t>2. </a:t>
+            </a:r>
+            <a:r>
+              <a:rPr lang="ko-KR" altLang="en-US" sz="1200" dirty="0" smtClean="0"/>
+              <a:t>평범한 말일 때 모양</a:t>
+            </a:r>
+            <a:r>
+              <a:rPr lang="en-US" altLang="ko-KR" sz="1200" dirty="0" smtClean="0"/>
+              <a:t>(</a:t>
+            </a:r>
+            <a:r>
+              <a:rPr lang="ko-KR" altLang="en-US" sz="1200" dirty="0" smtClean="0"/>
+              <a:t>얼굴</a:t>
+            </a:r>
+            <a:r>
+              <a:rPr lang="en-US" altLang="ko-KR" sz="1200" dirty="0" smtClean="0"/>
+              <a:t>)</a:t>
+            </a:r>
+            <a:r>
+              <a:rPr lang="ko-KR" altLang="en-US" sz="1200" dirty="0" smtClean="0"/>
+              <a:t>을 무표정으로 바꾸기</a:t>
+            </a:r>
+            <a:endParaRPr lang="en-US" altLang="ko-KR" sz="1200" dirty="0" smtClean="0"/>
+          </a:p>
+          <a:p>
+            <a:pPr>
+              <a:lnSpc>
+                <a:spcPct val="150000"/>
+              </a:lnSpc>
+            </a:pPr>
+            <a:r>
+              <a:rPr lang="en-US" altLang="ko-KR" sz="1200" dirty="0" smtClean="0"/>
+              <a:t>3. </a:t>
+            </a:r>
+            <a:r>
+              <a:rPr lang="ko-KR" altLang="en-US" sz="1200" dirty="0" smtClean="0"/>
+              <a:t>대화 내용을 학습시키기</a:t>
+            </a:r>
+            <a:endParaRPr lang="en-US" altLang="ko-KR" sz="1200" dirty="0" smtClean="0"/>
+          </a:p>
+          <a:p>
+            <a:pPr>
+              <a:lnSpc>
+                <a:spcPct val="150000"/>
+              </a:lnSpc>
+            </a:pPr>
+            <a:r>
+              <a:rPr lang="en-US" altLang="ko-KR" sz="1200" dirty="0" smtClean="0"/>
+              <a:t>4. </a:t>
+            </a:r>
+            <a:r>
+              <a:rPr lang="ko-KR" altLang="en-US" sz="1200" dirty="0" smtClean="0"/>
+              <a:t>컴퓨터는 </a:t>
+            </a:r>
+            <a:r>
+              <a:rPr lang="en-US" altLang="ko-KR" sz="1200" dirty="0" smtClean="0"/>
+              <a:t>“…” </a:t>
+            </a:r>
+            <a:r>
+              <a:rPr lang="ko-KR" altLang="en-US" sz="1200" dirty="0" smtClean="0"/>
+              <a:t>라고 출력</a:t>
+            </a:r>
+            <a:endParaRPr lang="ko-KR" altLang="en-US" sz="1200" dirty="0"/>
+          </a:p>
+        </p:txBody>
+      </p:sp>
+      <p:sp>
+        <p:nvSpPr>
+          <p:cNvPr id="4" name="오른쪽 화살표 3"/>
+          <p:cNvSpPr/>
+          <p:nvPr/>
+        </p:nvSpPr>
+        <p:spPr>
+          <a:xfrm>
+            <a:off x="2555776" y="1923678"/>
+            <a:ext cx="648072" cy="144016"/>
+          </a:xfrm>
+          <a:prstGeom prst="rightArrow">
+            <a:avLst/>
+          </a:prstGeom>
+          <a:noFill/>
+          <a:ln w="28575" cap="flat" cmpd="sng" algn="ctr">
+            <a:solidFill>
+              <a:srgbClr val="FF0000"/>
+            </a:solidFill>
+            <a:prstDash val="solid"/>
+            <a:round/>
+            <a:headEnd type="none" w="med" len="med"/>
+            <a:tailEnd type="none" w="med" len="med"/>
+          </a:ln>
+        </p:spPr>
+        <p:style>
+          <a:lnRef idx="0">
+            <a:scrgbClr r="0" g="0" b="0"/>
+          </a:lnRef>
+          <a:fillRef idx="0">
+            <a:scrgbClr r="0" g="0" b="0"/>
+          </a:fillRef>
+          <a:effectRef idx="0">
+            <a:scrgbClr r="0" g="0" b="0"/>
+          </a:effectRef>
+          <a:fontRef idx="minor">
+            <a:schemeClr val="accent2"/>
+          </a:fontRef>
+        </p:style>
+        <p:txBody>
+          <a:bodyPr rtlCol="0" anchor="ctr"/>
+          <a:lstStyle/>
+          <a:p>
+            <a:pPr algn="ctr"/>
+            <a:endParaRPr lang="ko-KR" altLang="en-US"/>
           </a:p>
         </p:txBody>
       </p:sp>
@@ -10996,7 +12145,7 @@
 </p:sld>
 </file>
 
-<file path=ppt/slides/slide21.xml><?xml version="1.0" encoding="utf-8"?>
+<file path=ppt/slides/slide22.xml><?xml version="1.0" encoding="utf-8"?>
 <p:sld xmlns:a="http://schemas.openxmlformats.org/drawingml/2006/main" xmlns:r="http://schemas.openxmlformats.org/officeDocument/2006/relationships" xmlns:p="http://schemas.openxmlformats.org/presentationml/2006/main">
   <p:cSld>
     <p:spTree>
@@ -11418,7 +12567,7 @@
 </p:sld>
 </file>
 
-<file path=ppt/slides/slide22.xml><?xml version="1.0" encoding="utf-8"?>
+<file path=ppt/slides/slide23.xml><?xml version="1.0" encoding="utf-8"?>
 <p:sld xmlns:a="http://schemas.openxmlformats.org/drawingml/2006/main" xmlns:r="http://schemas.openxmlformats.org/officeDocument/2006/relationships" xmlns:p="http://schemas.openxmlformats.org/presentationml/2006/main">
   <p:cSld>
     <p:spTree>
@@ -11457,8 +12606,8 @@
         </p:blipFill>
         <p:spPr>
           <a:xfrm>
-            <a:off x="5436096" y="1491630"/>
-            <a:ext cx="3096344" cy="2757810"/>
+            <a:off x="6156176" y="1128991"/>
+            <a:ext cx="2232248" cy="1988189"/>
           </a:xfrm>
           <a:prstGeom prst="rect">
             <a:avLst/>
@@ -11467,140 +12616,155 @@
       </p:pic>
       <p:grpSp>
         <p:nvGrpSpPr>
-          <p:cNvPr id="16" name="그룹 15"/>
+          <p:cNvPr id="2" name="그룹 1"/>
           <p:cNvGrpSpPr/>
           <p:nvPr/>
         </p:nvGrpSpPr>
         <p:grpSpPr>
           <a:xfrm>
-            <a:off x="164141" y="1275606"/>
-            <a:ext cx="3097973" cy="3456384"/>
-            <a:chOff x="683568" y="1203598"/>
-            <a:chExt cx="2880320" cy="3672408"/>
+            <a:off x="296809" y="1137983"/>
+            <a:ext cx="2501538" cy="1979197"/>
+            <a:chOff x="164141" y="1275606"/>
+            <a:chExt cx="3097973" cy="3456384"/>
           </a:xfrm>
         </p:grpSpPr>
-        <p:pic>
-          <p:nvPicPr>
-            <p:cNvPr id="18" name="그림 17"/>
-            <p:cNvPicPr>
-              <a:picLocks noChangeAspect="1"/>
-            </p:cNvPicPr>
+        <p:grpSp>
+          <p:nvGrpSpPr>
+            <p:cNvPr id="16" name="그룹 15"/>
+            <p:cNvGrpSpPr/>
             <p:nvPr/>
-          </p:nvPicPr>
-          <p:blipFill>
-            <a:blip r:embed="rId4">
-              <a:extLst>
-                <a:ext uri="{28A0092B-C50C-407E-A947-70E740481C1C}">
-                  <a14:useLocalDpi xmlns:a14="http://schemas.microsoft.com/office/drawing/2010/main" val="0"/>
-                </a:ext>
-              </a:extLst>
-            </a:blip>
-            <a:stretch>
-              <a:fillRect/>
-            </a:stretch>
-          </p:blipFill>
+          </p:nvGrpSpPr>
+          <p:grpSpPr>
+            <a:xfrm>
+              <a:off x="164141" y="1275606"/>
+              <a:ext cx="3097973" cy="3456384"/>
+              <a:chOff x="683568" y="1203598"/>
+              <a:chExt cx="2880320" cy="3672408"/>
+            </a:xfrm>
+          </p:grpSpPr>
+          <p:pic>
+            <p:nvPicPr>
+              <p:cNvPr id="18" name="그림 17"/>
+              <p:cNvPicPr>
+                <a:picLocks noChangeAspect="1"/>
+              </p:cNvPicPr>
+              <p:nvPr/>
+            </p:nvPicPr>
+            <p:blipFill>
+              <a:blip r:embed="rId4">
+                <a:extLst>
+                  <a:ext uri="{28A0092B-C50C-407E-A947-70E740481C1C}">
+                    <a14:useLocalDpi xmlns:a14="http://schemas.microsoft.com/office/drawing/2010/main" val="0"/>
+                  </a:ext>
+                </a:extLst>
+              </a:blip>
+              <a:stretch>
+                <a:fillRect/>
+              </a:stretch>
+            </p:blipFill>
+            <p:spPr>
+              <a:xfrm>
+                <a:off x="683568" y="1995686"/>
+                <a:ext cx="2880320" cy="2880320"/>
+              </a:xfrm>
+              <a:prstGeom prst="rect">
+                <a:avLst/>
+              </a:prstGeom>
+            </p:spPr>
+          </p:pic>
+          <p:sp>
+            <p:nvSpPr>
+              <p:cNvPr id="19" name="타원형 설명선 18"/>
+              <p:cNvSpPr/>
+              <p:nvPr/>
+            </p:nvSpPr>
+            <p:spPr>
+              <a:xfrm>
+                <a:off x="971600" y="1203598"/>
+                <a:ext cx="2592288" cy="792088"/>
+              </a:xfrm>
+              <a:prstGeom prst="wedgeEllipseCallout">
+                <a:avLst>
+                  <a:gd name="adj1" fmla="val -4553"/>
+                  <a:gd name="adj2" fmla="val 70112"/>
+                </a:avLst>
+              </a:prstGeom>
+              <a:noFill/>
+              <a:ln w="28575" cap="flat" cmpd="sng" algn="ctr">
+                <a:solidFill>
+                  <a:schemeClr val="tx1"/>
+                </a:solidFill>
+                <a:prstDash val="solid"/>
+                <a:round/>
+                <a:headEnd type="none" w="med" len="med"/>
+                <a:tailEnd type="none" w="med" len="med"/>
+              </a:ln>
+            </p:spPr>
+            <p:style>
+              <a:lnRef idx="0">
+                <a:scrgbClr r="0" g="0" b="0"/>
+              </a:lnRef>
+              <a:fillRef idx="0">
+                <a:scrgbClr r="0" g="0" b="0"/>
+              </a:fillRef>
+              <a:effectRef idx="0">
+                <a:scrgbClr r="0" g="0" b="0"/>
+              </a:effectRef>
+              <a:fontRef idx="minor">
+                <a:schemeClr val="accent2"/>
+              </a:fontRef>
+            </p:style>
+            <p:txBody>
+              <a:bodyPr rot="0" spcFirstLastPara="0" vertOverflow="overflow" horzOverflow="overflow" vert="horz" wrap="square" lIns="91440" tIns="45720" rIns="91440" bIns="45720" numCol="1" spcCol="0" rtlCol="0" fromWordArt="0" anchor="ctr" anchorCtr="0" forceAA="0" compatLnSpc="1">
+                <a:prstTxWarp prst="textNoShape">
+                  <a:avLst/>
+                </a:prstTxWarp>
+                <a:noAutofit/>
+              </a:bodyPr>
+              <a:lstStyle/>
+              <a:p>
+                <a:pPr algn="ctr"/>
+                <a:endParaRPr lang="ko-KR" altLang="en-US"/>
+              </a:p>
+            </p:txBody>
+          </p:sp>
+        </p:grpSp>
+        <p:sp>
+          <p:nvSpPr>
+            <p:cNvPr id="4" name="TextBox 3"/>
+            <p:cNvSpPr txBox="1"/>
+            <p:nvPr/>
+          </p:nvSpPr>
           <p:spPr>
             <a:xfrm>
-              <a:off x="683568" y="1995686"/>
-              <a:ext cx="2880320" cy="2880320"/>
+              <a:off x="1115616" y="1419622"/>
+              <a:ext cx="1434025" cy="369131"/>
             </a:xfrm>
             <a:prstGeom prst="rect">
               <a:avLst/>
             </a:prstGeom>
+            <a:noFill/>
           </p:spPr>
-        </p:pic>
-        <p:sp>
-          <p:nvSpPr>
-            <p:cNvPr id="19" name="타원형 설명선 18"/>
-            <p:cNvSpPr/>
-            <p:nvPr/>
-          </p:nvSpPr>
-          <p:spPr>
-            <a:xfrm>
-              <a:off x="971600" y="1203598"/>
-              <a:ext cx="2592288" cy="792088"/>
-            </a:xfrm>
-            <a:prstGeom prst="wedgeEllipseCallout">
-              <a:avLst>
-                <a:gd name="adj1" fmla="val -4553"/>
-                <a:gd name="adj2" fmla="val 70112"/>
-              </a:avLst>
-            </a:prstGeom>
-            <a:noFill/>
-            <a:ln w="28575" cap="flat" cmpd="sng" algn="ctr">
-              <a:solidFill>
-                <a:schemeClr val="tx1"/>
-              </a:solidFill>
-              <a:prstDash val="solid"/>
-              <a:round/>
-              <a:headEnd type="none" w="med" len="med"/>
-              <a:tailEnd type="none" w="med" len="med"/>
-            </a:ln>
-          </p:spPr>
-          <p:style>
-            <a:lnRef idx="0">
-              <a:scrgbClr r="0" g="0" b="0"/>
-            </a:lnRef>
-            <a:fillRef idx="0">
-              <a:scrgbClr r="0" g="0" b="0"/>
-            </a:fillRef>
-            <a:effectRef idx="0">
-              <a:scrgbClr r="0" g="0" b="0"/>
-            </a:effectRef>
-            <a:fontRef idx="minor">
-              <a:schemeClr val="accent2"/>
-            </a:fontRef>
-          </p:style>
           <p:txBody>
-            <a:bodyPr rot="0" spcFirstLastPara="0" vertOverflow="overflow" horzOverflow="overflow" vert="horz" wrap="square" lIns="91440" tIns="45720" rIns="91440" bIns="45720" numCol="1" spcCol="0" rtlCol="0" fromWordArt="0" anchor="ctr" anchorCtr="0" forceAA="0" compatLnSpc="1">
-              <a:prstTxWarp prst="textNoShape">
-                <a:avLst/>
-              </a:prstTxWarp>
-              <a:noAutofit/>
+            <a:bodyPr wrap="square" rtlCol="0">
+              <a:spAutoFit/>
             </a:bodyPr>
             <a:lstStyle/>
             <a:p>
               <a:pPr algn="ctr"/>
-              <a:endParaRPr lang="ko-KR" altLang="en-US"/>
+              <a:r>
+                <a:rPr lang="ko-KR" altLang="en-US" dirty="0" smtClean="0"/>
+                <a:t>안녕</a:t>
+              </a:r>
+              <a:r>
+                <a:rPr lang="en-US" altLang="ko-KR" dirty="0" smtClean="0"/>
+                <a:t>!</a:t>
+              </a:r>
+              <a:endParaRPr lang="ko-KR" altLang="en-US" dirty="0"/>
             </a:p>
           </p:txBody>
         </p:sp>
       </p:grpSp>
-      <p:sp>
-        <p:nvSpPr>
-          <p:cNvPr id="4" name="TextBox 3"/>
-          <p:cNvSpPr txBox="1"/>
-          <p:nvPr/>
-        </p:nvSpPr>
-        <p:spPr>
-          <a:xfrm>
-            <a:off x="1115616" y="1419622"/>
-            <a:ext cx="1434025" cy="369131"/>
-          </a:xfrm>
-          <a:prstGeom prst="rect">
-            <a:avLst/>
-          </a:prstGeom>
-          <a:noFill/>
-        </p:spPr>
-        <p:txBody>
-          <a:bodyPr wrap="square" rtlCol="0">
-            <a:spAutoFit/>
-          </a:bodyPr>
-          <a:lstStyle/>
-          <a:p>
-            <a:pPr algn="ctr"/>
-            <a:r>
-              <a:rPr lang="ko-KR" altLang="en-US" dirty="0" smtClean="0"/>
-              <a:t>안녕</a:t>
-            </a:r>
-            <a:r>
-              <a:rPr lang="en-US" altLang="ko-KR" dirty="0" smtClean="0"/>
-              <a:t>!</a:t>
-            </a:r>
-            <a:endParaRPr lang="ko-KR" altLang="en-US" dirty="0"/>
-          </a:p>
-        </p:txBody>
-      </p:sp>
       <p:grpSp>
         <p:nvGrpSpPr>
           <p:cNvPr id="21" name="그룹 20"/>
@@ -11609,7 +12773,7 @@
         </p:nvGrpSpPr>
         <p:grpSpPr>
           <a:xfrm>
-            <a:off x="3203848" y="2139702"/>
+            <a:off x="3492263" y="1351426"/>
             <a:ext cx="2002579" cy="1569828"/>
             <a:chOff x="6372200" y="3162162"/>
             <a:chExt cx="2002579" cy="1569828"/>
@@ -12078,8 +13242,8 @@
         </p:nvSpPr>
         <p:spPr>
           <a:xfrm>
-            <a:off x="1983292" y="4774168"/>
-            <a:ext cx="5369334" cy="369332"/>
+            <a:off x="755576" y="3417132"/>
+            <a:ext cx="7488832" cy="1477328"/>
           </a:xfrm>
           <a:prstGeom prst="rect">
             <a:avLst/>
@@ -12092,15 +13256,179 @@
           </a:bodyPr>
           <a:lstStyle/>
           <a:p>
+            <a:pPr algn="ctr"/>
             <a:r>
               <a:rPr lang="ko-KR" altLang="en-US" dirty="0" smtClean="0"/>
-              <a:t>잘못 판단한 말도 학습을 해서 잘못된 학습을 한다</a:t>
-            </a:r>
-            <a:r>
-              <a:rPr lang="en-US" altLang="ko-KR" dirty="0" smtClean="0"/>
+              <a:t>문제점</a:t>
+            </a:r>
+            <a:endParaRPr lang="en-US" altLang="ko-KR" dirty="0" smtClean="0"/>
+          </a:p>
+          <a:p>
+            <a:pPr>
+              <a:lnSpc>
+                <a:spcPct val="200000"/>
+              </a:lnSpc>
+            </a:pPr>
+            <a:r>
+              <a:rPr lang="en-US" altLang="ko-KR" sz="1200" dirty="0" smtClean="0"/>
+              <a:t>1. </a:t>
+            </a:r>
+            <a:r>
+              <a:rPr lang="ko-KR" altLang="en-US" sz="1200" dirty="0" smtClean="0"/>
+              <a:t>사용자가 안녕이라고 입력한다</a:t>
+            </a:r>
+            <a:r>
+              <a:rPr lang="en-US" altLang="ko-KR" sz="1200" dirty="0" smtClean="0"/>
               <a:t>.</a:t>
             </a:r>
-            <a:endParaRPr lang="ko-KR" altLang="en-US" dirty="0"/>
+          </a:p>
+          <a:p>
+            <a:pPr>
+              <a:lnSpc>
+                <a:spcPct val="200000"/>
+              </a:lnSpc>
+            </a:pPr>
+            <a:r>
+              <a:rPr lang="en-US" altLang="ko-KR" sz="1200" dirty="0" smtClean="0"/>
+              <a:t>2. </a:t>
+            </a:r>
+            <a:r>
+              <a:rPr lang="ko-KR" altLang="en-US" sz="1200" dirty="0" smtClean="0"/>
+              <a:t>컴퓨터가 잘못 판단하여 욕이라고 판단</a:t>
+            </a:r>
+            <a:endParaRPr lang="en-US" altLang="ko-KR" sz="1200" dirty="0" smtClean="0"/>
+          </a:p>
+          <a:p>
+            <a:pPr>
+              <a:lnSpc>
+                <a:spcPct val="200000"/>
+              </a:lnSpc>
+            </a:pPr>
+            <a:r>
+              <a:rPr lang="en-US" altLang="ko-KR" sz="1200" dirty="0" smtClean="0"/>
+              <a:t>3. </a:t>
+            </a:r>
+            <a:r>
+              <a:rPr lang="ko-KR" altLang="en-US" sz="1200" dirty="0" smtClean="0"/>
+              <a:t>잘못 </a:t>
+            </a:r>
+            <a:r>
+              <a:rPr lang="ko-KR" altLang="en-US" sz="1200" dirty="0" smtClean="0"/>
+              <a:t>판단한 </a:t>
+            </a:r>
+            <a:r>
+              <a:rPr lang="ko-KR" altLang="en-US" sz="1200" dirty="0" smtClean="0"/>
+              <a:t>말을 </a:t>
+            </a:r>
+            <a:r>
+              <a:rPr lang="ko-KR" altLang="en-US" sz="1200" dirty="0" smtClean="0"/>
+              <a:t>학습을 해서 잘못된 학습을 </a:t>
+            </a:r>
+            <a:r>
+              <a:rPr lang="ko-KR" altLang="en-US" sz="1200" dirty="0" smtClean="0"/>
+              <a:t>한다</a:t>
+            </a:r>
+            <a:r>
+              <a:rPr lang="en-US" altLang="ko-KR" sz="1200" dirty="0" smtClean="0"/>
+              <a:t>.</a:t>
+            </a:r>
+            <a:endParaRPr lang="ko-KR" altLang="en-US" sz="1200" dirty="0"/>
+          </a:p>
+        </p:txBody>
+      </p:sp>
+      <p:sp>
+        <p:nvSpPr>
+          <p:cNvPr id="3" name="오른쪽 화살표 2"/>
+          <p:cNvSpPr/>
+          <p:nvPr/>
+        </p:nvSpPr>
+        <p:spPr>
+          <a:xfrm>
+            <a:off x="2699792" y="1995686"/>
+            <a:ext cx="504056" cy="216024"/>
+          </a:xfrm>
+          <a:prstGeom prst="rightArrow">
+            <a:avLst/>
+          </a:prstGeom>
+          <a:noFill/>
+          <a:ln w="28575" cap="flat" cmpd="sng" algn="ctr">
+            <a:solidFill>
+              <a:srgbClr val="FF0000"/>
+            </a:solidFill>
+            <a:prstDash val="solid"/>
+            <a:round/>
+            <a:headEnd type="none" w="med" len="med"/>
+            <a:tailEnd type="none" w="med" len="med"/>
+          </a:ln>
+        </p:spPr>
+        <p:style>
+          <a:lnRef idx="0">
+            <a:scrgbClr r="0" g="0" b="0"/>
+          </a:lnRef>
+          <a:fillRef idx="0">
+            <a:scrgbClr r="0" g="0" b="0"/>
+          </a:fillRef>
+          <a:effectRef idx="0">
+            <a:scrgbClr r="0" g="0" b="0"/>
+          </a:effectRef>
+          <a:fontRef idx="minor">
+            <a:schemeClr val="accent2"/>
+          </a:fontRef>
+        </p:style>
+        <p:txBody>
+          <a:bodyPr rtlCol="0" anchor="ctr"/>
+          <a:lstStyle/>
+          <a:p>
+            <a:pPr algn="ctr"/>
+            <a:endParaRPr lang="ko-KR" altLang="en-US"/>
+          </a:p>
+        </p:txBody>
+      </p:sp>
+      <p:sp>
+        <p:nvSpPr>
+          <p:cNvPr id="5" name="오른쪽 화살표 4"/>
+          <p:cNvSpPr/>
+          <p:nvPr/>
+        </p:nvSpPr>
+        <p:spPr>
+          <a:xfrm>
+            <a:off x="5610914" y="1979357"/>
+            <a:ext cx="473254" cy="213629"/>
+          </a:xfrm>
+          <a:prstGeom prst="rightArrow">
+            <a:avLst/>
+          </a:prstGeom>
+          <a:noFill/>
+          <a:ln w="28575" cap="flat" cmpd="sng" algn="ctr">
+            <a:solidFill>
+              <a:srgbClr val="FF0000"/>
+            </a:solidFill>
+            <a:prstDash val="solid"/>
+            <a:round/>
+            <a:headEnd type="none" w="med" len="med"/>
+            <a:tailEnd type="none" w="med" len="med"/>
+          </a:ln>
+        </p:spPr>
+        <p:style>
+          <a:lnRef idx="0">
+            <a:scrgbClr r="0" g="0" b="0"/>
+          </a:lnRef>
+          <a:fillRef idx="0">
+            <a:scrgbClr r="0" g="0" b="0"/>
+          </a:fillRef>
+          <a:effectRef idx="0">
+            <a:scrgbClr r="0" g="0" b="0"/>
+          </a:effectRef>
+          <a:fontRef idx="minor">
+            <a:schemeClr val="accent2"/>
+          </a:fontRef>
+        </p:style>
+        <p:txBody>
+          <a:bodyPr rtlCol="0" anchor="ctr"/>
+          <a:lstStyle/>
+          <a:p>
+            <a:pPr algn="ctr"/>
+            <a:endParaRPr lang="ko-KR" altLang="en-US"/>
           </a:p>
         </p:txBody>
       </p:sp>
@@ -12329,7 +13657,7 @@
 </p:sld>
 </file>
 
-<file path=ppt/slides/slide23.xml><?xml version="1.0" encoding="utf-8"?>
+<file path=ppt/slides/slide24.xml><?xml version="1.0" encoding="utf-8"?>
 <p:sld xmlns:a="http://schemas.openxmlformats.org/drawingml/2006/main" xmlns:r="http://schemas.openxmlformats.org/officeDocument/2006/relationships" xmlns:p="http://schemas.openxmlformats.org/presentationml/2006/main">
   <p:cSld>
     <p:spTree>
@@ -12367,7 +13695,7 @@
         </p:blipFill>
         <p:spPr>
           <a:xfrm>
-            <a:off x="5148064" y="1491630"/>
+            <a:off x="4860032" y="987870"/>
             <a:ext cx="2736304" cy="288032"/>
           </a:xfrm>
           <a:prstGeom prst="rect">
@@ -12396,7 +13724,7 @@
         </p:blipFill>
         <p:spPr>
           <a:xfrm>
-            <a:off x="611560" y="1419622"/>
+            <a:off x="403409" y="999950"/>
             <a:ext cx="3130491" cy="1080120"/>
           </a:xfrm>
           <a:prstGeom prst="rect">
@@ -12425,7 +13753,7 @@
         </p:blipFill>
         <p:spPr>
           <a:xfrm>
-            <a:off x="611560" y="3095129"/>
+            <a:off x="403409" y="2675457"/>
             <a:ext cx="3078978" cy="1177356"/>
           </a:xfrm>
           <a:prstGeom prst="rect">
@@ -12433,117 +13761,6 @@
           </a:prstGeom>
         </p:spPr>
       </p:pic>
-      <p:grpSp>
-        <p:nvGrpSpPr>
-          <p:cNvPr id="6" name="그룹 5"/>
-          <p:cNvGrpSpPr/>
-          <p:nvPr/>
-        </p:nvGrpSpPr>
-        <p:grpSpPr>
-          <a:xfrm>
-            <a:off x="323528" y="2067694"/>
-            <a:ext cx="3096344" cy="1736146"/>
-            <a:chOff x="323528" y="2067694"/>
-            <a:chExt cx="3096344" cy="1736146"/>
-          </a:xfrm>
-        </p:grpSpPr>
-        <p:sp>
-          <p:nvSpPr>
-            <p:cNvPr id="5" name="뺄셈 기호 4"/>
-            <p:cNvSpPr/>
-            <p:nvPr/>
-          </p:nvSpPr>
-          <p:spPr>
-            <a:xfrm>
-              <a:off x="395536" y="2067694"/>
-              <a:ext cx="3024336" cy="72008"/>
-            </a:xfrm>
-            <a:prstGeom prst="mathMinus">
-              <a:avLst/>
-            </a:prstGeom>
-            <a:noFill/>
-            <a:ln w="28575" cap="flat" cmpd="sng" algn="ctr">
-              <a:solidFill>
-                <a:srgbClr val="FF0000"/>
-              </a:solidFill>
-              <a:prstDash val="solid"/>
-              <a:round/>
-              <a:headEnd type="none" w="med" len="med"/>
-              <a:tailEnd type="none" w="med" len="med"/>
-            </a:ln>
-          </p:spPr>
-          <p:style>
-            <a:lnRef idx="0">
-              <a:scrgbClr r="0" g="0" b="0"/>
-            </a:lnRef>
-            <a:fillRef idx="0">
-              <a:scrgbClr r="0" g="0" b="0"/>
-            </a:fillRef>
-            <a:effectRef idx="0">
-              <a:scrgbClr r="0" g="0" b="0"/>
-            </a:effectRef>
-            <a:fontRef idx="minor">
-              <a:schemeClr val="accent2"/>
-            </a:fontRef>
-          </p:style>
-          <p:txBody>
-            <a:bodyPr rtlCol="0" anchor="ctr"/>
-            <a:lstStyle/>
-            <a:p>
-              <a:pPr algn="ctr"/>
-              <a:endParaRPr lang="ko-KR" altLang="en-US"/>
-            </a:p>
-          </p:txBody>
-        </p:sp>
-        <p:sp>
-          <p:nvSpPr>
-            <p:cNvPr id="30" name="뺄셈 기호 29"/>
-            <p:cNvSpPr/>
-            <p:nvPr/>
-          </p:nvSpPr>
-          <p:spPr>
-            <a:xfrm>
-              <a:off x="323528" y="3731832"/>
-              <a:ext cx="3024336" cy="72008"/>
-            </a:xfrm>
-            <a:prstGeom prst="mathMinus">
-              <a:avLst/>
-            </a:prstGeom>
-            <a:noFill/>
-            <a:ln w="28575" cap="flat" cmpd="sng" algn="ctr">
-              <a:solidFill>
-                <a:srgbClr val="FF0000"/>
-              </a:solidFill>
-              <a:prstDash val="solid"/>
-              <a:round/>
-              <a:headEnd type="none" w="med" len="med"/>
-              <a:tailEnd type="none" w="med" len="med"/>
-            </a:ln>
-          </p:spPr>
-          <p:style>
-            <a:lnRef idx="0">
-              <a:scrgbClr r="0" g="0" b="0"/>
-            </a:lnRef>
-            <a:fillRef idx="0">
-              <a:scrgbClr r="0" g="0" b="0"/>
-            </a:fillRef>
-            <a:effectRef idx="0">
-              <a:scrgbClr r="0" g="0" b="0"/>
-            </a:effectRef>
-            <a:fontRef idx="minor">
-              <a:schemeClr val="accent2"/>
-            </a:fontRef>
-          </p:style>
-          <p:txBody>
-            <a:bodyPr rtlCol="0" anchor="ctr"/>
-            <a:lstStyle/>
-            <a:p>
-              <a:pPr algn="ctr"/>
-              <a:endParaRPr lang="ko-KR" altLang="en-US"/>
-            </a:p>
-          </p:txBody>
-        </p:sp>
-      </p:grpSp>
       <p:sp>
         <p:nvSpPr>
           <p:cNvPr id="8" name="&quot;없음&quot; 기호 7"/>
@@ -12552,7 +13769,7 @@
         </p:nvSpPr>
         <p:spPr>
           <a:xfrm>
-            <a:off x="648117" y="1551262"/>
+            <a:off x="439966" y="1131590"/>
             <a:ext cx="2719231" cy="2520280"/>
           </a:xfrm>
           <a:prstGeom prst="noSmoking">
@@ -12619,7 +13836,7 @@
         </p:blipFill>
         <p:spPr>
           <a:xfrm>
-            <a:off x="4573600" y="2163330"/>
+            <a:off x="4285568" y="1659570"/>
             <a:ext cx="1878295" cy="648072"/>
           </a:xfrm>
           <a:prstGeom prst="rect">
@@ -12648,7 +13865,7 @@
         </p:blipFill>
         <p:spPr>
           <a:xfrm>
-            <a:off x="6804248" y="2140625"/>
+            <a:off x="6516216" y="1636865"/>
             <a:ext cx="1878295" cy="718233"/>
           </a:xfrm>
           <a:prstGeom prst="rect">
@@ -12677,7 +13894,7 @@
         </p:blipFill>
         <p:spPr>
           <a:xfrm>
-            <a:off x="4788024" y="3276452"/>
+            <a:off x="4499992" y="2772692"/>
             <a:ext cx="3489362" cy="1080121"/>
           </a:xfrm>
           <a:prstGeom prst="rect">
@@ -12844,7 +14061,7 @@
         </p:nvSpPr>
         <p:spPr>
           <a:xfrm>
-            <a:off x="641080" y="4477412"/>
+            <a:off x="528494" y="4246579"/>
             <a:ext cx="2880320" cy="461665"/>
           </a:xfrm>
           <a:prstGeom prst="rect">
@@ -12891,7 +14108,7 @@
         </p:nvSpPr>
         <p:spPr>
           <a:xfrm>
-            <a:off x="5004048" y="4477412"/>
+            <a:off x="5076056" y="4238129"/>
             <a:ext cx="2880320" cy="461665"/>
           </a:xfrm>
           <a:prstGeom prst="rect">
@@ -12926,6 +14143,54 @@
               <a:t>.</a:t>
             </a:r>
             <a:endParaRPr lang="ko-KR" altLang="en-US" sz="1200" dirty="0"/>
+          </a:p>
+        </p:txBody>
+      </p:sp>
+      <p:sp>
+        <p:nvSpPr>
+          <p:cNvPr id="2" name="오른쪽 화살표 1"/>
+          <p:cNvSpPr/>
+          <p:nvPr/>
+        </p:nvSpPr>
+        <p:spPr>
+          <a:xfrm>
+            <a:off x="3635896" y="4360949"/>
+            <a:ext cx="966092" cy="216024"/>
+          </a:xfrm>
+          <a:prstGeom prst="rightArrow">
+            <a:avLst/>
+          </a:prstGeom>
+          <a:noFill/>
+          <a:ln w="28575" cap="flat" cmpd="sng" algn="ctr">
+            <a:solidFill>
+              <a:srgbClr val="FF0000"/>
+            </a:solidFill>
+            <a:prstDash val="solid"/>
+            <a:round/>
+            <a:headEnd type="none" w="med" len="med"/>
+            <a:tailEnd type="none" w="med" len="med"/>
+          </a:ln>
+        </p:spPr>
+        <p:style>
+          <a:lnRef idx="0">
+            <a:scrgbClr r="0" g="0" b="0"/>
+          </a:lnRef>
+          <a:fillRef idx="0">
+            <a:scrgbClr r="0" g="0" b="0"/>
+          </a:fillRef>
+          <a:effectRef idx="0">
+            <a:scrgbClr r="0" g="0" b="0"/>
+          </a:effectRef>
+          <a:fontRef idx="minor">
+            <a:schemeClr val="accent2"/>
+          </a:fontRef>
+        </p:style>
+        <p:txBody>
+          <a:bodyPr rtlCol="0" anchor="ctr"/>
+          <a:lstStyle/>
+          <a:p>
+            <a:pPr algn="ctr"/>
+            <a:endParaRPr lang="ko-KR" altLang="en-US"/>
           </a:p>
         </p:txBody>
       </p:sp>
@@ -13066,7 +14331,7 @@
 </p:sld>
 </file>
 
-<file path=ppt/slides/slide24.xml><?xml version="1.0" encoding="utf-8"?>
+<file path=ppt/slides/slide25.xml><?xml version="1.0" encoding="utf-8"?>
 <p:sld xmlns:a="http://schemas.openxmlformats.org/drawingml/2006/main" xmlns:r="http://schemas.openxmlformats.org/officeDocument/2006/relationships" xmlns:p="http://schemas.openxmlformats.org/presentationml/2006/main">
   <p:cSld>
     <p:spTree>
@@ -13386,7 +14651,7 @@
 </p:sld>
 </file>
 
-<file path=ppt/slides/slide25.xml><?xml version="1.0" encoding="utf-8"?>
+<file path=ppt/slides/slide26.xml><?xml version="1.0" encoding="utf-8"?>
 <p:sld xmlns:a="http://schemas.openxmlformats.org/drawingml/2006/main" xmlns:r="http://schemas.openxmlformats.org/officeDocument/2006/relationships" xmlns:p="http://schemas.openxmlformats.org/presentationml/2006/main">
   <p:cSld>
     <p:bg>
@@ -14263,7 +15528,7 @@
         </p:blipFill>
         <p:spPr>
           <a:xfrm>
-            <a:off x="5076056" y="1491630"/>
+            <a:off x="323528" y="1203598"/>
             <a:ext cx="3096344" cy="2757810"/>
           </a:xfrm>
           <a:prstGeom prst="rect">
@@ -14279,10 +15544,10 @@
         </p:nvGrpSpPr>
         <p:grpSpPr>
           <a:xfrm>
-            <a:off x="622653" y="1491630"/>
-            <a:ext cx="3480441" cy="2364070"/>
-            <a:chOff x="622653" y="1491630"/>
-            <a:chExt cx="3480441" cy="2364070"/>
+            <a:off x="3563893" y="1347614"/>
+            <a:ext cx="4608508" cy="400110"/>
+            <a:chOff x="1637486" y="1491630"/>
+            <a:chExt cx="1271912" cy="990191"/>
           </a:xfrm>
         </p:grpSpPr>
         <p:sp>
@@ -14293,8 +15558,8 @@
           </p:nvSpPr>
           <p:spPr>
             <a:xfrm>
-              <a:off x="622654" y="1491630"/>
-              <a:ext cx="3480440" cy="707886"/>
+              <a:off x="1637486" y="1491630"/>
+              <a:ext cx="556461" cy="990191"/>
             </a:xfrm>
             <a:prstGeom prst="rect">
               <a:avLst/>
@@ -14302,14 +15567,14 @@
             <a:noFill/>
           </p:spPr>
           <p:txBody>
-            <a:bodyPr wrap="none" lIns="91440" tIns="45720" rIns="91440" bIns="45720">
+            <a:bodyPr wrap="square" lIns="91440" tIns="45720" rIns="91440" bIns="45720">
               <a:spAutoFit/>
             </a:bodyPr>
             <a:lstStyle/>
             <a:p>
               <a:pPr algn="ctr"/>
               <a:r>
-                <a:rPr lang="ko-KR" altLang="en-US" sz="4000" b="1" cap="none" spc="0" dirty="0" smtClean="0">
+                <a:rPr lang="ko-KR" altLang="en-US" sz="2000" b="1" cap="none" spc="0" dirty="0" smtClean="0">
                   <a:ln w="22225">
                     <a:solidFill>
                       <a:schemeClr val="accent2"/>
@@ -14327,7 +15592,7 @@
                 <a:t>멋있어 </a:t>
               </a:r>
               <a:r>
-                <a:rPr lang="en-US" altLang="ko-KR" sz="4000" b="1" cap="none" spc="0" dirty="0" smtClean="0">
+                <a:rPr lang="en-US" altLang="ko-KR" sz="2000" b="1" cap="none" spc="0" dirty="0" smtClean="0">
                   <a:ln w="22225">
                     <a:solidFill>
                       <a:schemeClr val="accent2"/>
@@ -14345,7 +15610,7 @@
                 <a:t>= </a:t>
               </a:r>
               <a:r>
-                <a:rPr lang="ko-KR" altLang="en-US" sz="4000" b="1" cap="none" spc="0" dirty="0" smtClean="0">
+                <a:rPr lang="ko-KR" altLang="en-US" sz="2000" b="1" cap="none" spc="0" dirty="0" smtClean="0">
                   <a:ln w="22225">
                     <a:solidFill>
                       <a:schemeClr val="accent2"/>
@@ -14362,7 +15627,7 @@
                 </a:rPr>
                 <a:t>칭찬</a:t>
               </a:r>
-              <a:endParaRPr lang="en-US" altLang="ko-KR" sz="4000" b="1" cap="none" spc="0" dirty="0">
+              <a:endParaRPr lang="en-US" altLang="ko-KR" sz="2000" b="1" cap="none" spc="0" dirty="0">
                 <a:ln w="22225">
                   <a:solidFill>
                     <a:schemeClr val="accent2"/>
@@ -14388,8 +15653,8 @@
           </p:nvSpPr>
           <p:spPr>
             <a:xfrm>
-              <a:off x="622653" y="3147814"/>
-              <a:ext cx="3480440" cy="707886"/>
+              <a:off x="2313189" y="1491630"/>
+              <a:ext cx="596209" cy="990191"/>
             </a:xfrm>
             <a:prstGeom prst="rect">
               <a:avLst/>
@@ -14397,14 +15662,14 @@
             <a:noFill/>
           </p:spPr>
           <p:txBody>
-            <a:bodyPr wrap="none" lIns="91440" tIns="45720" rIns="91440" bIns="45720">
+            <a:bodyPr wrap="square" lIns="91440" tIns="45720" rIns="91440" bIns="45720">
               <a:spAutoFit/>
             </a:bodyPr>
             <a:lstStyle/>
             <a:p>
               <a:pPr algn="ctr"/>
               <a:r>
-                <a:rPr lang="ko-KR" altLang="en-US" sz="4000" b="1" dirty="0" err="1" smtClean="0">
+                <a:rPr lang="ko-KR" altLang="en-US" sz="2000" b="1" dirty="0" err="1" smtClean="0">
                   <a:ln w="22225">
                     <a:solidFill>
                       <a:schemeClr val="accent2"/>
@@ -14421,7 +15686,7 @@
                 <a:t>못생겼어</a:t>
               </a:r>
               <a:r>
-                <a:rPr lang="ko-KR" altLang="en-US" sz="4000" b="1" dirty="0" smtClean="0">
+                <a:rPr lang="ko-KR" altLang="en-US" sz="2000" b="1" dirty="0" smtClean="0">
                   <a:ln w="22225">
                     <a:solidFill>
                       <a:schemeClr val="accent2"/>
@@ -14438,7 +15703,7 @@
                 <a:t> </a:t>
               </a:r>
               <a:r>
-                <a:rPr lang="en-US" altLang="ko-KR" sz="4000" b="1" dirty="0" smtClean="0">
+                <a:rPr lang="en-US" altLang="ko-KR" sz="2000" b="1" dirty="0" smtClean="0">
                   <a:ln w="22225">
                     <a:solidFill>
                       <a:schemeClr val="accent2"/>
@@ -14455,7 +15720,7 @@
                 <a:t>= </a:t>
               </a:r>
               <a:r>
-                <a:rPr lang="ko-KR" altLang="en-US" sz="4000" b="1" dirty="0" smtClean="0">
+                <a:rPr lang="ko-KR" altLang="en-US" sz="2000" b="1" dirty="0" smtClean="0">
                   <a:ln w="22225">
                     <a:solidFill>
                       <a:schemeClr val="accent2"/>
@@ -14471,7 +15736,7 @@
                 </a:rPr>
                 <a:t>욕</a:t>
               </a:r>
-              <a:endParaRPr lang="en-US" altLang="ko-KR" sz="4000" b="1" cap="none" spc="0" dirty="0">
+              <a:endParaRPr lang="en-US" altLang="ko-KR" sz="2000" b="1" cap="none" spc="0" dirty="0">
                 <a:ln w="22225">
                   <a:solidFill>
                     <a:schemeClr val="accent2"/>
@@ -14587,8 +15852,8 @@
         </p:nvSpPr>
         <p:spPr>
           <a:xfrm>
-            <a:off x="1403648" y="4519026"/>
-            <a:ext cx="6264696" cy="400110"/>
+            <a:off x="3635896" y="1995686"/>
+            <a:ext cx="5256584" cy="2168351"/>
           </a:xfrm>
           <a:prstGeom prst="rect">
             <a:avLst/>
@@ -14601,15 +15866,55 @@
           </a:bodyPr>
           <a:lstStyle/>
           <a:p>
-            <a:pPr algn="ctr"/>
-            <a:r>
-              <a:rPr lang="ko-KR" altLang="en-US" sz="2000" dirty="0" smtClean="0"/>
-              <a:t>우리는 칭찬과 욕을 공부를 했기 때문에 알고있다</a:t>
-            </a:r>
-            <a:r>
-              <a:rPr lang="en-US" altLang="ko-KR" sz="2000" dirty="0" smtClean="0"/>
+            <a:pPr>
+              <a:lnSpc>
+                <a:spcPct val="300000"/>
+              </a:lnSpc>
+            </a:pPr>
+            <a:r>
+              <a:rPr lang="ko-KR" altLang="en-US" sz="1600" dirty="0" smtClean="0"/>
+              <a:t>멋있어는 칭찬</a:t>
+            </a:r>
+            <a:r>
+              <a:rPr lang="en-US" altLang="ko-KR" sz="1600" dirty="0" smtClean="0"/>
+              <a:t>, </a:t>
+            </a:r>
+            <a:r>
+              <a:rPr lang="ko-KR" altLang="en-US" sz="1600" dirty="0" err="1" smtClean="0"/>
+              <a:t>못생겼어</a:t>
+            </a:r>
+            <a:r>
+              <a:rPr lang="ko-KR" altLang="en-US" sz="1600" dirty="0" smtClean="0"/>
+              <a:t> 라는 말은 욕이다</a:t>
+            </a:r>
+            <a:r>
+              <a:rPr lang="en-US" altLang="ko-KR" sz="1600" dirty="0" smtClean="0"/>
               <a:t>.</a:t>
             </a:r>
+          </a:p>
+          <a:p>
+            <a:pPr>
+              <a:lnSpc>
+                <a:spcPct val="300000"/>
+              </a:lnSpc>
+            </a:pPr>
+            <a:r>
+              <a:rPr lang="ko-KR" altLang="en-US" sz="1600" dirty="0" smtClean="0"/>
+              <a:t>우리는 칭찬과 욕을 구분할 수 있다</a:t>
+            </a:r>
+            <a:endParaRPr lang="en-US" altLang="ko-KR" sz="1600" dirty="0" smtClean="0"/>
+          </a:p>
+          <a:p>
+            <a:pPr>
+              <a:lnSpc>
+                <a:spcPct val="300000"/>
+              </a:lnSpc>
+            </a:pPr>
+            <a:r>
+              <a:rPr lang="ko-KR" altLang="en-US" sz="1600" dirty="0" smtClean="0"/>
+              <a:t>대화를 통해 칭찬과 욕을 배웠기 때문이다</a:t>
+            </a:r>
+            <a:endParaRPr lang="en-US" altLang="ko-KR" sz="1600" dirty="0" smtClean="0"/>
           </a:p>
         </p:txBody>
       </p:sp>
@@ -14653,10 +15958,10 @@
         </p:nvGrpSpPr>
         <p:grpSpPr>
           <a:xfrm>
-            <a:off x="827584" y="1203598"/>
-            <a:ext cx="2880320" cy="3747878"/>
-            <a:chOff x="827584" y="1203598"/>
-            <a:chExt cx="2880320" cy="3747878"/>
+            <a:off x="1259632" y="1284652"/>
+            <a:ext cx="1800200" cy="2595914"/>
+            <a:chOff x="827584" y="1091124"/>
+            <a:chExt cx="2880320" cy="3860352"/>
           </a:xfrm>
         </p:grpSpPr>
         <p:pic>
@@ -14745,8 +16050,8 @@
           </p:nvSpPr>
           <p:spPr>
             <a:xfrm>
-              <a:off x="2235142" y="1317997"/>
-              <a:ext cx="497252" cy="923330"/>
+              <a:off x="2235141" y="1091124"/>
+              <a:ext cx="497253" cy="923330"/>
             </a:xfrm>
             <a:prstGeom prst="rect">
               <a:avLst/>
@@ -14894,8 +16199,8 @@
         </p:nvGrpSpPr>
         <p:grpSpPr>
           <a:xfrm>
-            <a:off x="4644008" y="1317997"/>
-            <a:ext cx="3744416" cy="3550612"/>
+            <a:off x="5364088" y="1363346"/>
+            <a:ext cx="2592288" cy="2520280"/>
             <a:chOff x="4644008" y="1317997"/>
             <a:chExt cx="3744416" cy="3550612"/>
           </a:xfrm>
@@ -15017,8 +16322,8 @@
           </p:nvSpPr>
           <p:spPr>
             <a:xfrm>
-              <a:off x="5352528" y="1487274"/>
-              <a:ext cx="2327375" cy="584775"/>
+              <a:off x="5352528" y="1487273"/>
+              <a:ext cx="2327376" cy="607041"/>
             </a:xfrm>
             <a:prstGeom prst="rect">
               <a:avLst/>
@@ -15033,7 +16338,7 @@
             <a:p>
               <a:pPr algn="ctr"/>
               <a:r>
-                <a:rPr lang="ko-KR" altLang="en-US" sz="1600" b="1" cap="none" spc="0" dirty="0" smtClean="0">
+                <a:rPr lang="ko-KR" altLang="en-US" sz="1100" b="1" cap="none" spc="0" dirty="0" smtClean="0">
                   <a:ln w="22225">
                     <a:solidFill>
                       <a:schemeClr val="accent2"/>
@@ -15051,7 +16356,7 @@
                 <a:t>멋있어</a:t>
               </a:r>
               <a:r>
-                <a:rPr lang="en-US" altLang="ko-KR" sz="1600" b="1" cap="none" spc="0" dirty="0" smtClean="0">
+                <a:rPr lang="en-US" altLang="ko-KR" sz="1100" b="1" cap="none" spc="0" dirty="0" smtClean="0">
                   <a:ln w="22225">
                     <a:solidFill>
                       <a:schemeClr val="accent2"/>
@@ -15069,7 +16374,7 @@
                 <a:t>, </a:t>
               </a:r>
               <a:r>
-                <a:rPr lang="ko-KR" altLang="en-US" sz="1600" b="1" cap="none" spc="0" dirty="0" smtClean="0">
+                <a:rPr lang="ko-KR" altLang="en-US" sz="1100" b="1" cap="none" spc="0" dirty="0" smtClean="0">
                   <a:ln w="22225">
                     <a:solidFill>
                       <a:schemeClr val="accent2"/>
@@ -15087,7 +16392,7 @@
                 <a:t>착하다 </a:t>
               </a:r>
               <a:r>
-                <a:rPr lang="en-US" altLang="ko-KR" sz="1600" b="1" cap="none" spc="0" dirty="0" smtClean="0">
+                <a:rPr lang="en-US" altLang="ko-KR" sz="1100" b="1" cap="none" spc="0" dirty="0" smtClean="0">
                   <a:ln w="22225">
                     <a:solidFill>
                       <a:schemeClr val="accent2"/>
@@ -15105,7 +16410,7 @@
                 <a:t>= </a:t>
               </a:r>
               <a:r>
-                <a:rPr lang="ko-KR" altLang="en-US" sz="1600" b="1" cap="none" spc="0" dirty="0" smtClean="0">
+                <a:rPr lang="ko-KR" altLang="en-US" sz="1100" b="1" cap="none" spc="0" dirty="0" smtClean="0">
                   <a:ln w="22225">
                     <a:solidFill>
                       <a:schemeClr val="accent2"/>
@@ -15122,7 +16427,7 @@
                 </a:rPr>
                 <a:t>칭찬</a:t>
               </a:r>
-              <a:endParaRPr lang="en-US" altLang="ko-KR" sz="1600" b="1" cap="none" spc="0" dirty="0" smtClean="0">
+              <a:endParaRPr lang="en-US" altLang="ko-KR" sz="1100" b="1" cap="none" spc="0" dirty="0" smtClean="0">
                 <a:ln w="22225">
                   <a:solidFill>
                     <a:schemeClr val="accent2"/>
@@ -15141,7 +16446,7 @@
             <a:p>
               <a:pPr algn="ctr"/>
               <a:r>
-                <a:rPr lang="ko-KR" altLang="en-US" sz="1600" b="1" dirty="0" err="1" smtClean="0">
+                <a:rPr lang="ko-KR" altLang="en-US" sz="1100" b="1" dirty="0" err="1" smtClean="0">
                   <a:ln w="22225">
                     <a:solidFill>
                       <a:schemeClr val="accent2"/>
@@ -15158,7 +16463,7 @@
                 <a:t>못생겼어</a:t>
               </a:r>
               <a:r>
-                <a:rPr lang="en-US" altLang="ko-KR" sz="1600" b="1" dirty="0" smtClean="0">
+                <a:rPr lang="en-US" altLang="ko-KR" sz="1100" b="1" dirty="0" smtClean="0">
                   <a:ln w="22225">
                     <a:solidFill>
                       <a:schemeClr val="accent2"/>
@@ -15175,7 +16480,7 @@
                 <a:t>, </a:t>
               </a:r>
               <a:r>
-                <a:rPr lang="ko-KR" altLang="en-US" sz="1600" b="1" dirty="0" smtClean="0">
+                <a:rPr lang="ko-KR" altLang="en-US" sz="1100" b="1" dirty="0" smtClean="0">
                   <a:ln w="22225">
                     <a:solidFill>
                       <a:schemeClr val="accent2"/>
@@ -15192,7 +16497,7 @@
                 <a:t>나쁘다 </a:t>
               </a:r>
               <a:r>
-                <a:rPr lang="en-US" altLang="ko-KR" sz="1600" b="1" dirty="0" smtClean="0">
+                <a:rPr lang="en-US" altLang="ko-KR" sz="1100" b="1" dirty="0" smtClean="0">
                   <a:ln w="22225">
                     <a:solidFill>
                       <a:schemeClr val="accent2"/>
@@ -15209,7 +16514,7 @@
                 <a:t>= </a:t>
               </a:r>
               <a:r>
-                <a:rPr lang="ko-KR" altLang="en-US" sz="1600" b="1" dirty="0" smtClean="0">
+                <a:rPr lang="ko-KR" altLang="en-US" sz="1100" b="1" dirty="0" smtClean="0">
                   <a:ln w="22225">
                     <a:solidFill>
                       <a:schemeClr val="accent2"/>
@@ -15225,7 +16530,7 @@
                 </a:rPr>
                 <a:t>욕</a:t>
               </a:r>
-              <a:endParaRPr lang="en-US" altLang="ko-KR" sz="1600" b="1" cap="none" spc="0" dirty="0">
+              <a:endParaRPr lang="en-US" altLang="ko-KR" sz="1100" b="1" cap="none" spc="0" dirty="0">
                 <a:ln w="22225">
                   <a:solidFill>
                     <a:schemeClr val="accent2"/>
@@ -15252,8 +16557,8 @@
         </p:nvSpPr>
         <p:spPr>
           <a:xfrm>
-            <a:off x="1529408" y="4786877"/>
-            <a:ext cx="6264696" cy="400110"/>
+            <a:off x="303151" y="4011910"/>
+            <a:ext cx="3672408" cy="276999"/>
           </a:xfrm>
           <a:prstGeom prst="rect">
             <a:avLst/>
@@ -15268,13 +16573,96 @@
           <a:p>
             <a:pPr algn="ctr"/>
             <a:r>
-              <a:rPr lang="ko-KR" altLang="en-US" sz="2000" dirty="0" smtClean="0"/>
+              <a:rPr lang="ko-KR" altLang="en-US" sz="1200" dirty="0" smtClean="0"/>
               <a:t>컴퓨터에게 칭찬과 욕을 알려주기 전까지는 모른다</a:t>
             </a:r>
             <a:r>
-              <a:rPr lang="en-US" altLang="ko-KR" sz="2000" dirty="0" smtClean="0"/>
+              <a:rPr lang="en-US" altLang="ko-KR" sz="1200" dirty="0" smtClean="0"/>
               <a:t>.</a:t>
             </a:r>
+          </a:p>
+        </p:txBody>
+      </p:sp>
+      <p:sp>
+        <p:nvSpPr>
+          <p:cNvPr id="16" name="TextBox 15"/>
+          <p:cNvSpPr txBox="1"/>
+          <p:nvPr/>
+        </p:nvSpPr>
+        <p:spPr>
+          <a:xfrm>
+            <a:off x="4917411" y="4011910"/>
+            <a:ext cx="3672408" cy="276999"/>
+          </a:xfrm>
+          <a:prstGeom prst="rect">
+            <a:avLst/>
+          </a:prstGeom>
+          <a:noFill/>
+        </p:spPr>
+        <p:txBody>
+          <a:bodyPr wrap="square" rtlCol="0">
+            <a:spAutoFit/>
+          </a:bodyPr>
+          <a:lstStyle/>
+          <a:p>
+            <a:pPr algn="ctr"/>
+            <a:r>
+              <a:rPr lang="ko-KR" altLang="en-US" sz="1200" dirty="0" smtClean="0"/>
+              <a:t>컴퓨터에게 칭찬과 욕을 알려준다</a:t>
+            </a:r>
+            <a:r>
+              <a:rPr lang="en-US" altLang="ko-KR" sz="1200" dirty="0" smtClean="0"/>
+              <a:t>.</a:t>
+            </a:r>
+            <a:endParaRPr lang="en-US" altLang="ko-KR" sz="1200" dirty="0" smtClean="0"/>
+          </a:p>
+        </p:txBody>
+      </p:sp>
+      <p:sp>
+        <p:nvSpPr>
+          <p:cNvPr id="9" name="오른쪽 화살표 8"/>
+          <p:cNvSpPr/>
+          <p:nvPr/>
+        </p:nvSpPr>
+        <p:spPr>
+          <a:xfrm>
+            <a:off x="3960549" y="2641428"/>
+            <a:ext cx="1440160" cy="432048"/>
+          </a:xfrm>
+          <a:prstGeom prst="rightArrow">
+            <a:avLst/>
+          </a:prstGeom>
+          <a:noFill/>
+          <a:ln w="28575" cap="flat" cmpd="sng" algn="ctr">
+            <a:solidFill>
+              <a:srgbClr val="FF0000"/>
+            </a:solidFill>
+            <a:prstDash val="solid"/>
+            <a:round/>
+            <a:headEnd type="none" w="med" len="med"/>
+            <a:tailEnd type="none" w="med" len="med"/>
+          </a:ln>
+        </p:spPr>
+        <p:style>
+          <a:lnRef idx="0">
+            <a:scrgbClr r="0" g="0" b="0"/>
+          </a:lnRef>
+          <a:fillRef idx="0">
+            <a:scrgbClr r="0" g="0" b="0"/>
+          </a:fillRef>
+          <a:effectRef idx="0">
+            <a:scrgbClr r="0" g="0" b="0"/>
+          </a:effectRef>
+          <a:fontRef idx="minor">
+            <a:schemeClr val="accent2"/>
+          </a:fontRef>
+        </p:style>
+        <p:txBody>
+          <a:bodyPr rtlCol="0" anchor="ctr"/>
+          <a:lstStyle/>
+          <a:p>
+            <a:pPr algn="ctr"/>
+            <a:endParaRPr lang="ko-KR" altLang="en-US"/>
           </a:p>
         </p:txBody>
       </p:sp>
@@ -15323,8 +16711,8 @@
         </p:nvGrpSpPr>
         <p:grpSpPr>
           <a:xfrm>
-            <a:off x="467544" y="1290010"/>
-            <a:ext cx="3949625" cy="3717402"/>
+            <a:off x="467545" y="1290010"/>
+            <a:ext cx="2520280" cy="2289852"/>
             <a:chOff x="-612576" y="1203598"/>
             <a:chExt cx="6264696" cy="3717402"/>
           </a:xfrm>
@@ -15415,8 +16803,8 @@
           </p:nvSpPr>
           <p:spPr>
             <a:xfrm>
-              <a:off x="815279" y="1451270"/>
-              <a:ext cx="3359932" cy="584775"/>
+              <a:off x="815278" y="1451269"/>
+              <a:ext cx="3359933" cy="649548"/>
             </a:xfrm>
             <a:prstGeom prst="rect">
               <a:avLst/>
@@ -15431,7 +16819,7 @@
             <a:p>
               <a:pPr algn="ctr"/>
               <a:r>
-                <a:rPr lang="ko-KR" altLang="en-US" sz="3200" b="1" cap="none" spc="0" dirty="0" smtClean="0">
+                <a:rPr lang="ko-KR" altLang="en-US" sz="2000" b="1" cap="none" spc="0" dirty="0" smtClean="0">
                   <a:ln w="22225">
                     <a:solidFill>
                       <a:schemeClr val="accent2"/>
@@ -15448,7 +16836,7 @@
                 </a:rPr>
                 <a:t>칭찬</a:t>
               </a:r>
-              <a:endParaRPr lang="en-US" altLang="ko-KR" sz="3200" b="1" cap="none" spc="0" dirty="0">
+              <a:endParaRPr lang="en-US" altLang="ko-KR" sz="2000" b="1" cap="none" spc="0" dirty="0">
                 <a:ln w="22225">
                   <a:solidFill>
                     <a:schemeClr val="accent2"/>
@@ -15564,8 +16952,8 @@
         </p:nvGrpSpPr>
         <p:grpSpPr>
           <a:xfrm>
-            <a:off x="4727493" y="1290010"/>
-            <a:ext cx="3744416" cy="3550612"/>
+            <a:off x="5436096" y="1290010"/>
+            <a:ext cx="2376264" cy="2217844"/>
             <a:chOff x="4644008" y="1317997"/>
             <a:chExt cx="3744416" cy="3550612"/>
           </a:xfrm>
@@ -15687,8 +17075,8 @@
           </p:nvSpPr>
           <p:spPr>
             <a:xfrm>
-              <a:off x="5352528" y="1487274"/>
-              <a:ext cx="2327375" cy="584775"/>
+              <a:off x="5352528" y="1487275"/>
+              <a:ext cx="2327375" cy="709672"/>
             </a:xfrm>
             <a:prstGeom prst="rect">
               <a:avLst/>
@@ -15703,7 +17091,7 @@
             <a:p>
               <a:pPr algn="ctr"/>
               <a:r>
-                <a:rPr lang="ko-KR" altLang="en-US" sz="3200" b="1" cap="none" spc="0" dirty="0" smtClean="0">
+                <a:rPr lang="ko-KR" altLang="en-US" sz="2000" b="1" cap="none" spc="0" dirty="0" smtClean="0">
                   <a:ln w="22225">
                     <a:solidFill>
                       <a:schemeClr val="accent2"/>
@@ -15720,7 +17108,7 @@
                 </a:rPr>
                 <a:t>똑똑해</a:t>
               </a:r>
-              <a:endParaRPr lang="en-US" altLang="ko-KR" sz="3200" b="1" cap="none" spc="0" dirty="0">
+              <a:endParaRPr lang="en-US" altLang="ko-KR" sz="2000" b="1" cap="none" spc="0" dirty="0">
                 <a:ln w="22225">
                   <a:solidFill>
                     <a:schemeClr val="accent2"/>
@@ -15747,8 +17135,8 @@
         </p:nvSpPr>
         <p:spPr>
           <a:xfrm>
-            <a:off x="396513" y="4756727"/>
-            <a:ext cx="8075396" cy="400110"/>
+            <a:off x="581693" y="3826255"/>
+            <a:ext cx="8075396" cy="998800"/>
           </a:xfrm>
           <a:prstGeom prst="rect">
             <a:avLst/>
@@ -15761,19 +17149,99 @@
           </a:bodyPr>
           <a:lstStyle/>
           <a:p>
+            <a:pPr>
+              <a:lnSpc>
+                <a:spcPct val="200000"/>
+              </a:lnSpc>
+            </a:pPr>
+            <a:r>
+              <a:rPr lang="ko-KR" altLang="en-US" sz="1600" dirty="0" smtClean="0"/>
+              <a:t>칭찬과 욕을 알려주면 알려준 내용을 바탕으로 칭찬과 욕을 판단한다</a:t>
+            </a:r>
+            <a:r>
+              <a:rPr lang="en-US" altLang="ko-KR" sz="1600" dirty="0" smtClean="0"/>
+              <a:t>.</a:t>
+            </a:r>
+          </a:p>
+          <a:p>
+            <a:pPr>
+              <a:lnSpc>
+                <a:spcPct val="200000"/>
+              </a:lnSpc>
+            </a:pPr>
+            <a:r>
+              <a:rPr lang="ko-KR" altLang="en-US" sz="1600" dirty="0" smtClean="0"/>
+              <a:t>똑똑해 </a:t>
+            </a:r>
+            <a:r>
+              <a:rPr lang="ko-KR" altLang="en-US" sz="1600" dirty="0" err="1" smtClean="0"/>
+              <a:t>라고</a:t>
+            </a:r>
+            <a:r>
+              <a:rPr lang="ko-KR" altLang="en-US" sz="1600" dirty="0" smtClean="0"/>
+              <a:t> 말하면 기존에 기억하고 있지 않는 </a:t>
+            </a:r>
+            <a:r>
+              <a:rPr lang="ko-KR" altLang="en-US" sz="1600" dirty="0" err="1" smtClean="0"/>
+              <a:t>말이어도</a:t>
+            </a:r>
+            <a:r>
+              <a:rPr lang="ko-KR" altLang="en-US" sz="1600" dirty="0" smtClean="0"/>
+              <a:t> 학습을 통해 답을 유추한다</a:t>
+            </a:r>
+            <a:r>
+              <a:rPr lang="en-US" altLang="ko-KR" sz="1600" dirty="0" smtClean="0"/>
+              <a:t>.</a:t>
+            </a:r>
+            <a:endParaRPr lang="en-US" altLang="ko-KR" sz="1600" dirty="0" smtClean="0"/>
+          </a:p>
+        </p:txBody>
+      </p:sp>
+      <p:sp>
+        <p:nvSpPr>
+          <p:cNvPr id="13" name="오른쪽 화살표 12"/>
+          <p:cNvSpPr/>
+          <p:nvPr/>
+        </p:nvSpPr>
+        <p:spPr>
+          <a:xfrm rot="10800000">
+            <a:off x="3491880" y="2414458"/>
+            <a:ext cx="1656184" cy="288032"/>
+          </a:xfrm>
+          <a:prstGeom prst="rightArrow">
+            <a:avLst/>
+          </a:prstGeom>
+          <a:noFill/>
+          <a:ln w="28575" cap="flat" cmpd="sng" algn="ctr">
+            <a:solidFill>
+              <a:srgbClr val="FF0000"/>
+            </a:solidFill>
+            <a:prstDash val="solid"/>
+            <a:round/>
+            <a:headEnd type="none" w="med" len="med"/>
+            <a:tailEnd type="none" w="med" len="med"/>
+          </a:ln>
+        </p:spPr>
+        <p:style>
+          <a:lnRef idx="0">
+            <a:scrgbClr r="0" g="0" b="0"/>
+          </a:lnRef>
+          <a:fillRef idx="0">
+            <a:scrgbClr r="0" g="0" b="0"/>
+          </a:fillRef>
+          <a:effectRef idx="0">
+            <a:scrgbClr r="0" g="0" b="0"/>
+          </a:effectRef>
+          <a:fontRef idx="minor">
+            <a:schemeClr val="accent2"/>
+          </a:fontRef>
+        </p:style>
+        <p:txBody>
+          <a:bodyPr rtlCol="0" anchor="ctr"/>
+          <a:lstStyle/>
+          <a:p>
             <a:pPr algn="ctr"/>
-            <a:r>
-              <a:rPr lang="ko-KR" altLang="en-US" sz="2000" dirty="0" smtClean="0"/>
-              <a:t>칭찬과 욕을 알려주면 알려준 </a:t>
-            </a:r>
-            <a:r>
-              <a:rPr lang="ko-KR" altLang="en-US" sz="2000" smtClean="0"/>
-              <a:t>내용을 바탕으로 칭찬과 욕을 판단한다</a:t>
-            </a:r>
-            <a:r>
-              <a:rPr lang="en-US" altLang="ko-KR" sz="2000" dirty="0" smtClean="0"/>
-              <a:t>.</a:t>
-            </a:r>
+            <a:endParaRPr lang="ko-KR" altLang="en-US"/>
           </a:p>
         </p:txBody>
       </p:sp>
